--- a/figures/Random/Scenarios.pptx
+++ b/figures/Random/Scenarios.pptx
@@ -5,12 +5,13 @@
     <p:sldMasterId id="2147483660" r:id="rId1"/>
   </p:sldMasterIdLst>
   <p:notesMasterIdLst>
-    <p:notesMasterId r:id="rId5"/>
+    <p:notesMasterId r:id="rId6"/>
   </p:notesMasterIdLst>
   <p:sldIdLst>
     <p:sldId id="256" r:id="rId2"/>
     <p:sldId id="258" r:id="rId3"/>
-    <p:sldId id="257" r:id="rId4"/>
+    <p:sldId id="259" r:id="rId4"/>
+    <p:sldId id="257" r:id="rId5"/>
   </p:sldIdLst>
   <p:sldSz cx="16459200" cy="10972800"/>
   <p:notesSz cx="6858000" cy="9144000"/>
@@ -199,7 +200,7 @@
           <a:p>
             <a:fld id="{AA263AEB-44CF-6F4F-B960-9C4C17D1C3F2}" type="datetimeFigureOut">
               <a:rPr lang="en-US" smtClean="0"/>
-              <a:t>11/20/23</a:t>
+              <a:t>12/4/23</a:t>
             </a:fld>
             <a:endParaRPr lang="en-US"/>
           </a:p>
@@ -723,6 +724,95 @@
     </p:spTree>
     <p:extLst>
       <p:ext uri="{BB962C8B-B14F-4D97-AF65-F5344CB8AC3E}">
+        <p14:creationId xmlns:p14="http://schemas.microsoft.com/office/powerpoint/2010/main" val="690278259"/>
+      </p:ext>
+    </p:extLst>
+  </p:cSld>
+  <p:clrMapOvr>
+    <a:masterClrMapping/>
+  </p:clrMapOvr>
+</p:notes>
+</file>
+
+<file path=ppt/notesSlides/notesSlide4.xml><?xml version="1.0" encoding="utf-8"?>
+<p:notes xmlns:a="http://schemas.openxmlformats.org/drawingml/2006/main" xmlns:r="http://schemas.openxmlformats.org/officeDocument/2006/relationships" xmlns:p="http://schemas.openxmlformats.org/presentationml/2006/main">
+  <p:cSld>
+    <p:spTree>
+      <p:nvGrpSpPr>
+        <p:cNvPr id="1" name=""/>
+        <p:cNvGrpSpPr/>
+        <p:nvPr/>
+      </p:nvGrpSpPr>
+      <p:grpSpPr>
+        <a:xfrm>
+          <a:off x="0" y="0"/>
+          <a:ext cx="0" cy="0"/>
+          <a:chOff x="0" y="0"/>
+          <a:chExt cx="0" cy="0"/>
+        </a:xfrm>
+      </p:grpSpPr>
+      <p:sp>
+        <p:nvSpPr>
+          <p:cNvPr id="2" name="Slide Image Placeholder 1"/>
+          <p:cNvSpPr>
+            <a:spLocks noGrp="1" noRot="1" noChangeAspect="1"/>
+          </p:cNvSpPr>
+          <p:nvPr>
+            <p:ph type="sldImg"/>
+          </p:nvPr>
+        </p:nvSpPr>
+        <p:spPr>
+          <a:xfrm>
+            <a:off x="1114425" y="1143000"/>
+            <a:ext cx="4629150" cy="3086100"/>
+          </a:xfrm>
+        </p:spPr>
+      </p:sp>
+      <p:sp>
+        <p:nvSpPr>
+          <p:cNvPr id="3" name="Notes Placeholder 2"/>
+          <p:cNvSpPr>
+            <a:spLocks noGrp="1"/>
+          </p:cNvSpPr>
+          <p:nvPr>
+            <p:ph type="body" idx="1"/>
+          </p:nvPr>
+        </p:nvSpPr>
+        <p:spPr/>
+        <p:txBody>
+          <a:bodyPr/>
+          <a:lstStyle/>
+          <a:p>
+            <a:endParaRPr lang="en-US" dirty="0"/>
+          </a:p>
+        </p:txBody>
+      </p:sp>
+      <p:sp>
+        <p:nvSpPr>
+          <p:cNvPr id="4" name="Slide Number Placeholder 3"/>
+          <p:cNvSpPr>
+            <a:spLocks noGrp="1"/>
+          </p:cNvSpPr>
+          <p:nvPr>
+            <p:ph type="sldNum" sz="quarter" idx="5"/>
+          </p:nvPr>
+        </p:nvSpPr>
+        <p:spPr/>
+        <p:txBody>
+          <a:bodyPr/>
+          <a:lstStyle/>
+          <a:p>
+            <a:fld id="{838EB671-B579-834A-B503-33735AFACE1D}" type="slidenum">
+              <a:rPr lang="en-US" smtClean="0"/>
+              <a:t>4</a:t>
+            </a:fld>
+            <a:endParaRPr lang="en-US"/>
+          </a:p>
+        </p:txBody>
+      </p:sp>
+    </p:spTree>
+    <p:extLst>
+      <p:ext uri="{BB962C8B-B14F-4D97-AF65-F5344CB8AC3E}">
         <p14:creationId xmlns:p14="http://schemas.microsoft.com/office/powerpoint/2010/main" val="896464428"/>
       </p:ext>
     </p:extLst>
@@ -864,7 +954,7 @@
           <a:p>
             <a:fld id="{338055FD-0010-D84A-BFA2-9DE2EC927977}" type="datetimeFigureOut">
               <a:rPr lang="en-US" smtClean="0"/>
-              <a:t>11/20/23</a:t>
+              <a:t>12/4/23</a:t>
             </a:fld>
             <a:endParaRPr lang="en-US"/>
           </a:p>
@@ -1034,7 +1124,7 @@
           <a:p>
             <a:fld id="{338055FD-0010-D84A-BFA2-9DE2EC927977}" type="datetimeFigureOut">
               <a:rPr lang="en-US" smtClean="0"/>
-              <a:t>11/20/23</a:t>
+              <a:t>12/4/23</a:t>
             </a:fld>
             <a:endParaRPr lang="en-US"/>
           </a:p>
@@ -1214,7 +1304,7 @@
           <a:p>
             <a:fld id="{338055FD-0010-D84A-BFA2-9DE2EC927977}" type="datetimeFigureOut">
               <a:rPr lang="en-US" smtClean="0"/>
-              <a:t>11/20/23</a:t>
+              <a:t>12/4/23</a:t>
             </a:fld>
             <a:endParaRPr lang="en-US"/>
           </a:p>
@@ -1384,7 +1474,7 @@
           <a:p>
             <a:fld id="{338055FD-0010-D84A-BFA2-9DE2EC927977}" type="datetimeFigureOut">
               <a:rPr lang="en-US" smtClean="0"/>
-              <a:t>11/20/23</a:t>
+              <a:t>12/4/23</a:t>
             </a:fld>
             <a:endParaRPr lang="en-US"/>
           </a:p>
@@ -1628,7 +1718,7 @@
           <a:p>
             <a:fld id="{338055FD-0010-D84A-BFA2-9DE2EC927977}" type="datetimeFigureOut">
               <a:rPr lang="en-US" smtClean="0"/>
-              <a:t>11/20/23</a:t>
+              <a:t>12/4/23</a:t>
             </a:fld>
             <a:endParaRPr lang="en-US"/>
           </a:p>
@@ -1860,7 +1950,7 @@
           <a:p>
             <a:fld id="{338055FD-0010-D84A-BFA2-9DE2EC927977}" type="datetimeFigureOut">
               <a:rPr lang="en-US" smtClean="0"/>
-              <a:t>11/20/23</a:t>
+              <a:t>12/4/23</a:t>
             </a:fld>
             <a:endParaRPr lang="en-US"/>
           </a:p>
@@ -2227,7 +2317,7 @@
           <a:p>
             <a:fld id="{338055FD-0010-D84A-BFA2-9DE2EC927977}" type="datetimeFigureOut">
               <a:rPr lang="en-US" smtClean="0"/>
-              <a:t>11/20/23</a:t>
+              <a:t>12/4/23</a:t>
             </a:fld>
             <a:endParaRPr lang="en-US"/>
           </a:p>
@@ -2345,7 +2435,7 @@
           <a:p>
             <a:fld id="{338055FD-0010-D84A-BFA2-9DE2EC927977}" type="datetimeFigureOut">
               <a:rPr lang="en-US" smtClean="0"/>
-              <a:t>11/20/23</a:t>
+              <a:t>12/4/23</a:t>
             </a:fld>
             <a:endParaRPr lang="en-US"/>
           </a:p>
@@ -2440,7 +2530,7 @@
           <a:p>
             <a:fld id="{338055FD-0010-D84A-BFA2-9DE2EC927977}" type="datetimeFigureOut">
               <a:rPr lang="en-US" smtClean="0"/>
-              <a:t>11/20/23</a:t>
+              <a:t>12/4/23</a:t>
             </a:fld>
             <a:endParaRPr lang="en-US"/>
           </a:p>
@@ -2717,7 +2807,7 @@
           <a:p>
             <a:fld id="{338055FD-0010-D84A-BFA2-9DE2EC927977}" type="datetimeFigureOut">
               <a:rPr lang="en-US" smtClean="0"/>
-              <a:t>11/20/23</a:t>
+              <a:t>12/4/23</a:t>
             </a:fld>
             <a:endParaRPr lang="en-US"/>
           </a:p>
@@ -2974,7 +3064,7 @@
           <a:p>
             <a:fld id="{338055FD-0010-D84A-BFA2-9DE2EC927977}" type="datetimeFigureOut">
               <a:rPr lang="en-US" smtClean="0"/>
-              <a:t>11/20/23</a:t>
+              <a:t>12/4/23</a:t>
             </a:fld>
             <a:endParaRPr lang="en-US"/>
           </a:p>
@@ -3187,7 +3277,7 @@
           <a:p>
             <a:fld id="{338055FD-0010-D84A-BFA2-9DE2EC927977}" type="datetimeFigureOut">
               <a:rPr lang="en-US" smtClean="0"/>
-              <a:t>11/20/23</a:t>
+              <a:t>12/4/23</a:t>
             </a:fld>
             <a:endParaRPr lang="en-US"/>
           </a:p>
@@ -8590,6 +8680,2438 @@
 </file>
 
 <file path=ppt/slides/slide3.xml><?xml version="1.0" encoding="utf-8"?>
+<p:sld xmlns:a="http://schemas.openxmlformats.org/drawingml/2006/main" xmlns:r="http://schemas.openxmlformats.org/officeDocument/2006/relationships" xmlns:p="http://schemas.openxmlformats.org/presentationml/2006/main">
+  <p:cSld>
+    <p:spTree>
+      <p:nvGrpSpPr>
+        <p:cNvPr id="1" name=""/>
+        <p:cNvGrpSpPr/>
+        <p:nvPr/>
+      </p:nvGrpSpPr>
+      <p:grpSpPr>
+        <a:xfrm>
+          <a:off x="0" y="0"/>
+          <a:ext cx="0" cy="0"/>
+          <a:chOff x="0" y="0"/>
+          <a:chExt cx="0" cy="0"/>
+        </a:xfrm>
+      </p:grpSpPr>
+      <p:sp>
+        <p:nvSpPr>
+          <p:cNvPr id="5" name="TextBox 4">
+            <a:extLst>
+              <a:ext uri="{FF2B5EF4-FFF2-40B4-BE49-F238E27FC236}">
+                <a16:creationId xmlns:a16="http://schemas.microsoft.com/office/drawing/2014/main" id="{9CF67DAB-02CA-5D3B-10B7-77A59909E76F}"/>
+              </a:ext>
+            </a:extLst>
+          </p:cNvPr>
+          <p:cNvSpPr txBox="1"/>
+          <p:nvPr/>
+        </p:nvSpPr>
+        <p:spPr>
+          <a:xfrm>
+            <a:off x="4537753" y="1520596"/>
+            <a:ext cx="2743200" cy="1569660"/>
+          </a:xfrm>
+          <a:prstGeom prst="rect">
+            <a:avLst/>
+          </a:prstGeom>
+          <a:noFill/>
+        </p:spPr>
+        <p:txBody>
+          <a:bodyPr wrap="square" rtlCol="0">
+            <a:spAutoFit/>
+          </a:bodyPr>
+          <a:lstStyle/>
+          <a:p>
+            <a:pPr algn="ctr"/>
+            <a:r>
+              <a:rPr lang="en-US" sz="3200" i="1" dirty="0"/>
+              <a:t>Climate </a:t>
+            </a:r>
+          </a:p>
+          <a:p>
+            <a:pPr algn="ctr"/>
+            <a:r>
+              <a:rPr lang="en-US" sz="3200" i="1" dirty="0"/>
+              <a:t>Model Uncertainty</a:t>
+            </a:r>
+          </a:p>
+        </p:txBody>
+      </p:sp>
+      <p:sp>
+        <p:nvSpPr>
+          <p:cNvPr id="6" name="TextBox 5">
+            <a:extLst>
+              <a:ext uri="{FF2B5EF4-FFF2-40B4-BE49-F238E27FC236}">
+                <a16:creationId xmlns:a16="http://schemas.microsoft.com/office/drawing/2014/main" id="{2A479E93-E626-B149-0001-239EC20478D2}"/>
+              </a:ext>
+            </a:extLst>
+          </p:cNvPr>
+          <p:cNvSpPr txBox="1"/>
+          <p:nvPr/>
+        </p:nvSpPr>
+        <p:spPr>
+          <a:xfrm>
+            <a:off x="7722993" y="1520596"/>
+            <a:ext cx="2743200" cy="1569660"/>
+          </a:xfrm>
+          <a:prstGeom prst="rect">
+            <a:avLst/>
+          </a:prstGeom>
+          <a:noFill/>
+        </p:spPr>
+        <p:txBody>
+          <a:bodyPr wrap="square" rtlCol="0">
+            <a:spAutoFit/>
+          </a:bodyPr>
+          <a:lstStyle/>
+          <a:p>
+            <a:pPr algn="ctr"/>
+            <a:r>
+              <a:rPr lang="en-US" sz="3200" i="1" dirty="0"/>
+              <a:t>Socioeconomic Scenario Uncertainty</a:t>
+            </a:r>
+          </a:p>
+        </p:txBody>
+      </p:sp>
+      <p:sp>
+        <p:nvSpPr>
+          <p:cNvPr id="7" name="TextBox 6">
+            <a:extLst>
+              <a:ext uri="{FF2B5EF4-FFF2-40B4-BE49-F238E27FC236}">
+                <a16:creationId xmlns:a16="http://schemas.microsoft.com/office/drawing/2014/main" id="{352F6A97-BEE9-9039-6AD7-66C44E0EFC2E}"/>
+              </a:ext>
+            </a:extLst>
+          </p:cNvPr>
+          <p:cNvSpPr txBox="1"/>
+          <p:nvPr/>
+        </p:nvSpPr>
+        <p:spPr>
+          <a:xfrm>
+            <a:off x="1517641" y="1520596"/>
+            <a:ext cx="2743200" cy="1569660"/>
+          </a:xfrm>
+          <a:prstGeom prst="rect">
+            <a:avLst/>
+          </a:prstGeom>
+          <a:noFill/>
+        </p:spPr>
+        <p:txBody>
+          <a:bodyPr wrap="square" rtlCol="0">
+            <a:spAutoFit/>
+          </a:bodyPr>
+          <a:lstStyle/>
+          <a:p>
+            <a:pPr algn="ctr"/>
+            <a:r>
+              <a:rPr lang="en-US" sz="3200" i="1" dirty="0"/>
+              <a:t>Emissions Scenario Uncertainty</a:t>
+            </a:r>
+          </a:p>
+        </p:txBody>
+      </p:sp>
+      <p:cxnSp>
+        <p:nvCxnSpPr>
+          <p:cNvPr id="13" name="Straight Connector 12">
+            <a:extLst>
+              <a:ext uri="{FF2B5EF4-FFF2-40B4-BE49-F238E27FC236}">
+                <a16:creationId xmlns:a16="http://schemas.microsoft.com/office/drawing/2014/main" id="{0D9B9AF0-7ECC-365F-604C-F63EC628BB5D}"/>
+              </a:ext>
+            </a:extLst>
+          </p:cNvPr>
+          <p:cNvCxnSpPr>
+            <a:stCxn id="25" idx="3"/>
+            <a:endCxn id="24" idx="1"/>
+          </p:cNvCxnSpPr>
+          <p:nvPr/>
+        </p:nvCxnSpPr>
+        <p:spPr>
+          <a:xfrm flipV="1">
+            <a:off x="4070315" y="3754720"/>
+            <a:ext cx="457200" cy="638382"/>
+          </a:xfrm>
+          <a:prstGeom prst="line">
+            <a:avLst/>
+          </a:prstGeom>
+          <a:ln w="38100">
+            <a:solidFill>
+              <a:schemeClr val="tx1"/>
+            </a:solidFill>
+          </a:ln>
+        </p:spPr>
+        <p:style>
+          <a:lnRef idx="1">
+            <a:schemeClr val="accent1"/>
+          </a:lnRef>
+          <a:fillRef idx="0">
+            <a:schemeClr val="accent1"/>
+          </a:fillRef>
+          <a:effectRef idx="0">
+            <a:schemeClr val="accent1"/>
+          </a:effectRef>
+          <a:fontRef idx="minor">
+            <a:schemeClr val="tx1"/>
+          </a:fontRef>
+        </p:style>
+      </p:cxnSp>
+      <p:cxnSp>
+        <p:nvCxnSpPr>
+          <p:cNvPr id="14" name="Straight Connector 13">
+            <a:extLst>
+              <a:ext uri="{FF2B5EF4-FFF2-40B4-BE49-F238E27FC236}">
+                <a16:creationId xmlns:a16="http://schemas.microsoft.com/office/drawing/2014/main" id="{20E5732A-0D64-7D07-ECD2-0705E359803A}"/>
+              </a:ext>
+            </a:extLst>
+          </p:cNvPr>
+          <p:cNvCxnSpPr>
+            <a:cxnSpLocks/>
+            <a:stCxn id="25" idx="3"/>
+            <a:endCxn id="23" idx="1"/>
+          </p:cNvCxnSpPr>
+          <p:nvPr/>
+        </p:nvCxnSpPr>
+        <p:spPr>
+          <a:xfrm>
+            <a:off x="4070315" y="4393102"/>
+            <a:ext cx="457200" cy="769196"/>
+          </a:xfrm>
+          <a:prstGeom prst="line">
+            <a:avLst/>
+          </a:prstGeom>
+          <a:ln w="38100">
+            <a:solidFill>
+              <a:schemeClr val="tx1"/>
+            </a:solidFill>
+          </a:ln>
+        </p:spPr>
+        <p:style>
+          <a:lnRef idx="1">
+            <a:schemeClr val="accent1"/>
+          </a:lnRef>
+          <a:fillRef idx="0">
+            <a:schemeClr val="accent1"/>
+          </a:fillRef>
+          <a:effectRef idx="0">
+            <a:schemeClr val="accent1"/>
+          </a:effectRef>
+          <a:fontRef idx="minor">
+            <a:schemeClr val="tx1"/>
+          </a:fontRef>
+        </p:style>
+      </p:cxnSp>
+      <p:cxnSp>
+        <p:nvCxnSpPr>
+          <p:cNvPr id="15" name="Straight Connector 14">
+            <a:extLst>
+              <a:ext uri="{FF2B5EF4-FFF2-40B4-BE49-F238E27FC236}">
+                <a16:creationId xmlns:a16="http://schemas.microsoft.com/office/drawing/2014/main" id="{ADD39013-6FC3-7A94-8673-24BD4D25AC14}"/>
+              </a:ext>
+            </a:extLst>
+          </p:cNvPr>
+          <p:cNvCxnSpPr>
+            <a:cxnSpLocks/>
+            <a:stCxn id="20" idx="1"/>
+            <a:endCxn id="23" idx="3"/>
+          </p:cNvCxnSpPr>
+          <p:nvPr/>
+        </p:nvCxnSpPr>
+        <p:spPr>
+          <a:xfrm flipH="1" flipV="1">
+            <a:off x="7270715" y="5162298"/>
+            <a:ext cx="457200" cy="339586"/>
+          </a:xfrm>
+          <a:prstGeom prst="line">
+            <a:avLst/>
+          </a:prstGeom>
+          <a:ln w="38100">
+            <a:solidFill>
+              <a:schemeClr val="tx1"/>
+            </a:solidFill>
+          </a:ln>
+        </p:spPr>
+        <p:style>
+          <a:lnRef idx="1">
+            <a:schemeClr val="accent1"/>
+          </a:lnRef>
+          <a:fillRef idx="0">
+            <a:schemeClr val="accent1"/>
+          </a:fillRef>
+          <a:effectRef idx="0">
+            <a:schemeClr val="accent1"/>
+          </a:effectRef>
+          <a:fontRef idx="minor">
+            <a:schemeClr val="tx1"/>
+          </a:fontRef>
+        </p:style>
+      </p:cxnSp>
+      <p:cxnSp>
+        <p:nvCxnSpPr>
+          <p:cNvPr id="16" name="Straight Connector 15">
+            <a:extLst>
+              <a:ext uri="{FF2B5EF4-FFF2-40B4-BE49-F238E27FC236}">
+                <a16:creationId xmlns:a16="http://schemas.microsoft.com/office/drawing/2014/main" id="{496B4FB4-F834-AD1A-28E0-6991B61E465A}"/>
+              </a:ext>
+            </a:extLst>
+          </p:cNvPr>
+          <p:cNvCxnSpPr>
+            <a:cxnSpLocks/>
+            <a:stCxn id="19" idx="1"/>
+            <a:endCxn id="23" idx="3"/>
+          </p:cNvCxnSpPr>
+          <p:nvPr/>
+        </p:nvCxnSpPr>
+        <p:spPr>
+          <a:xfrm flipH="1">
+            <a:off x="7270715" y="4803772"/>
+            <a:ext cx="457200" cy="358526"/>
+          </a:xfrm>
+          <a:prstGeom prst="line">
+            <a:avLst/>
+          </a:prstGeom>
+          <a:ln w="38100">
+            <a:solidFill>
+              <a:schemeClr val="tx1"/>
+            </a:solidFill>
+          </a:ln>
+        </p:spPr>
+        <p:style>
+          <a:lnRef idx="1">
+            <a:schemeClr val="accent1"/>
+          </a:lnRef>
+          <a:fillRef idx="0">
+            <a:schemeClr val="accent1"/>
+          </a:fillRef>
+          <a:effectRef idx="0">
+            <a:schemeClr val="accent1"/>
+          </a:effectRef>
+          <a:fontRef idx="minor">
+            <a:schemeClr val="tx1"/>
+          </a:fontRef>
+        </p:style>
+      </p:cxnSp>
+      <p:cxnSp>
+        <p:nvCxnSpPr>
+          <p:cNvPr id="17" name="Straight Connector 16">
+            <a:extLst>
+              <a:ext uri="{FF2B5EF4-FFF2-40B4-BE49-F238E27FC236}">
+                <a16:creationId xmlns:a16="http://schemas.microsoft.com/office/drawing/2014/main" id="{AD6FA5D9-CE1A-EF29-EB31-1EB04CD48441}"/>
+              </a:ext>
+            </a:extLst>
+          </p:cNvPr>
+          <p:cNvCxnSpPr>
+            <a:cxnSpLocks/>
+            <a:stCxn id="21" idx="1"/>
+            <a:endCxn id="24" idx="3"/>
+          </p:cNvCxnSpPr>
+          <p:nvPr/>
+        </p:nvCxnSpPr>
+        <p:spPr>
+          <a:xfrm flipH="1" flipV="1">
+            <a:off x="7270715" y="3754720"/>
+            <a:ext cx="457200" cy="350940"/>
+          </a:xfrm>
+          <a:prstGeom prst="line">
+            <a:avLst/>
+          </a:prstGeom>
+          <a:ln w="38100">
+            <a:solidFill>
+              <a:schemeClr val="tx1"/>
+            </a:solidFill>
+          </a:ln>
+        </p:spPr>
+        <p:style>
+          <a:lnRef idx="1">
+            <a:schemeClr val="accent1"/>
+          </a:lnRef>
+          <a:fillRef idx="0">
+            <a:schemeClr val="accent1"/>
+          </a:fillRef>
+          <a:effectRef idx="0">
+            <a:schemeClr val="accent1"/>
+          </a:effectRef>
+          <a:fontRef idx="minor">
+            <a:schemeClr val="tx1"/>
+          </a:fontRef>
+        </p:style>
+      </p:cxnSp>
+      <p:cxnSp>
+        <p:nvCxnSpPr>
+          <p:cNvPr id="18" name="Straight Connector 17">
+            <a:extLst>
+              <a:ext uri="{FF2B5EF4-FFF2-40B4-BE49-F238E27FC236}">
+                <a16:creationId xmlns:a16="http://schemas.microsoft.com/office/drawing/2014/main" id="{5CE8BF46-DA1F-9E3C-9DDC-4997C67FF5C1}"/>
+              </a:ext>
+            </a:extLst>
+          </p:cNvPr>
+          <p:cNvCxnSpPr>
+            <a:cxnSpLocks/>
+            <a:stCxn id="22" idx="1"/>
+            <a:endCxn id="24" idx="3"/>
+          </p:cNvCxnSpPr>
+          <p:nvPr/>
+        </p:nvCxnSpPr>
+        <p:spPr>
+          <a:xfrm flipH="1">
+            <a:off x="7270715" y="3407858"/>
+            <a:ext cx="457200" cy="346862"/>
+          </a:xfrm>
+          <a:prstGeom prst="line">
+            <a:avLst/>
+          </a:prstGeom>
+          <a:ln w="38100">
+            <a:solidFill>
+              <a:schemeClr val="tx1"/>
+            </a:solidFill>
+          </a:ln>
+        </p:spPr>
+        <p:style>
+          <a:lnRef idx="1">
+            <a:schemeClr val="accent1"/>
+          </a:lnRef>
+          <a:fillRef idx="0">
+            <a:schemeClr val="accent1"/>
+          </a:fillRef>
+          <a:effectRef idx="0">
+            <a:schemeClr val="accent1"/>
+          </a:effectRef>
+          <a:fontRef idx="minor">
+            <a:schemeClr val="tx1"/>
+          </a:fontRef>
+        </p:style>
+      </p:cxnSp>
+      <p:sp>
+        <p:nvSpPr>
+          <p:cNvPr id="19" name="Rectangle 18">
+            <a:extLst>
+              <a:ext uri="{FF2B5EF4-FFF2-40B4-BE49-F238E27FC236}">
+                <a16:creationId xmlns:a16="http://schemas.microsoft.com/office/drawing/2014/main" id="{6AD68026-EA4D-D2EA-1897-26CF677B9D47}"/>
+              </a:ext>
+            </a:extLst>
+          </p:cNvPr>
+          <p:cNvSpPr/>
+          <p:nvPr/>
+        </p:nvSpPr>
+        <p:spPr>
+          <a:xfrm>
+            <a:off x="7727915" y="4536741"/>
+            <a:ext cx="2743200" cy="534062"/>
+          </a:xfrm>
+          <a:prstGeom prst="rect">
+            <a:avLst/>
+          </a:prstGeom>
+          <a:solidFill>
+            <a:schemeClr val="accent6">
+              <a:lumMod val="60000"/>
+              <a:lumOff val="40000"/>
+            </a:schemeClr>
+          </a:solidFill>
+          <a:ln w="38100">
+            <a:solidFill>
+              <a:schemeClr val="tx1"/>
+            </a:solidFill>
+          </a:ln>
+        </p:spPr>
+        <p:style>
+          <a:lnRef idx="2">
+            <a:schemeClr val="accent1">
+              <a:shade val="50000"/>
+            </a:schemeClr>
+          </a:lnRef>
+          <a:fillRef idx="1">
+            <a:schemeClr val="accent1"/>
+          </a:fillRef>
+          <a:effectRef idx="0">
+            <a:schemeClr val="accent1"/>
+          </a:effectRef>
+          <a:fontRef idx="minor">
+            <a:schemeClr val="lt1"/>
+          </a:fontRef>
+        </p:style>
+        <p:txBody>
+          <a:bodyPr rtlCol="0" anchor="ctr"/>
+          <a:lstStyle/>
+          <a:p>
+            <a:pPr algn="ctr"/>
+            <a:r>
+              <a:rPr lang="en-US" sz="3200" dirty="0">
+                <a:solidFill>
+                  <a:schemeClr val="accent6">
+                    <a:lumMod val="50000"/>
+                  </a:schemeClr>
+                </a:solidFill>
+              </a:rPr>
+              <a:t>SSP3</a:t>
+            </a:r>
+          </a:p>
+        </p:txBody>
+      </p:sp>
+      <p:sp>
+        <p:nvSpPr>
+          <p:cNvPr id="20" name="Rectangle 19">
+            <a:extLst>
+              <a:ext uri="{FF2B5EF4-FFF2-40B4-BE49-F238E27FC236}">
+                <a16:creationId xmlns:a16="http://schemas.microsoft.com/office/drawing/2014/main" id="{B5BABAEE-BFAB-01F6-E4F6-72F459B2FCD5}"/>
+              </a:ext>
+            </a:extLst>
+          </p:cNvPr>
+          <p:cNvSpPr/>
+          <p:nvPr/>
+        </p:nvSpPr>
+        <p:spPr>
+          <a:xfrm>
+            <a:off x="7727915" y="5234853"/>
+            <a:ext cx="2743200" cy="534062"/>
+          </a:xfrm>
+          <a:prstGeom prst="rect">
+            <a:avLst/>
+          </a:prstGeom>
+          <a:solidFill>
+            <a:schemeClr val="accent5">
+              <a:lumMod val="40000"/>
+              <a:lumOff val="60000"/>
+            </a:schemeClr>
+          </a:solidFill>
+          <a:ln w="38100">
+            <a:solidFill>
+              <a:schemeClr val="tx1"/>
+            </a:solidFill>
+          </a:ln>
+        </p:spPr>
+        <p:style>
+          <a:lnRef idx="2">
+            <a:schemeClr val="accent1">
+              <a:shade val="50000"/>
+            </a:schemeClr>
+          </a:lnRef>
+          <a:fillRef idx="1">
+            <a:schemeClr val="accent1"/>
+          </a:fillRef>
+          <a:effectRef idx="0">
+            <a:schemeClr val="accent1"/>
+          </a:effectRef>
+          <a:fontRef idx="minor">
+            <a:schemeClr val="lt1"/>
+          </a:fontRef>
+        </p:style>
+        <p:txBody>
+          <a:bodyPr rtlCol="0" anchor="ctr"/>
+          <a:lstStyle/>
+          <a:p>
+            <a:pPr algn="ctr"/>
+            <a:r>
+              <a:rPr lang="en-US" sz="3200" dirty="0">
+                <a:solidFill>
+                  <a:schemeClr val="accent1">
+                    <a:lumMod val="50000"/>
+                  </a:schemeClr>
+                </a:solidFill>
+              </a:rPr>
+              <a:t>SSP5</a:t>
+            </a:r>
+          </a:p>
+        </p:txBody>
+      </p:sp>
+      <p:sp>
+        <p:nvSpPr>
+          <p:cNvPr id="21" name="Rectangle 20">
+            <a:extLst>
+              <a:ext uri="{FF2B5EF4-FFF2-40B4-BE49-F238E27FC236}">
+                <a16:creationId xmlns:a16="http://schemas.microsoft.com/office/drawing/2014/main" id="{D83A63D8-4A3D-6E25-3D80-A952AFD2303E}"/>
+              </a:ext>
+            </a:extLst>
+          </p:cNvPr>
+          <p:cNvSpPr/>
+          <p:nvPr/>
+        </p:nvSpPr>
+        <p:spPr>
+          <a:xfrm>
+            <a:off x="7727915" y="3838629"/>
+            <a:ext cx="2743200" cy="534062"/>
+          </a:xfrm>
+          <a:prstGeom prst="rect">
+            <a:avLst/>
+          </a:prstGeom>
+          <a:solidFill>
+            <a:schemeClr val="accent5">
+              <a:lumMod val="40000"/>
+              <a:lumOff val="60000"/>
+            </a:schemeClr>
+          </a:solidFill>
+          <a:ln w="38100">
+            <a:solidFill>
+              <a:schemeClr val="tx1"/>
+            </a:solidFill>
+          </a:ln>
+        </p:spPr>
+        <p:style>
+          <a:lnRef idx="2">
+            <a:schemeClr val="accent1">
+              <a:shade val="50000"/>
+            </a:schemeClr>
+          </a:lnRef>
+          <a:fillRef idx="1">
+            <a:schemeClr val="accent1"/>
+          </a:fillRef>
+          <a:effectRef idx="0">
+            <a:schemeClr val="accent1"/>
+          </a:effectRef>
+          <a:fontRef idx="minor">
+            <a:schemeClr val="lt1"/>
+          </a:fontRef>
+        </p:style>
+        <p:txBody>
+          <a:bodyPr rtlCol="0" anchor="ctr"/>
+          <a:lstStyle/>
+          <a:p>
+            <a:pPr algn="ctr"/>
+            <a:r>
+              <a:rPr lang="en-US" sz="3200" dirty="0">
+                <a:solidFill>
+                  <a:schemeClr val="accent1">
+                    <a:lumMod val="50000"/>
+                  </a:schemeClr>
+                </a:solidFill>
+              </a:rPr>
+              <a:t>SSP5</a:t>
+            </a:r>
+          </a:p>
+        </p:txBody>
+      </p:sp>
+      <p:sp>
+        <p:nvSpPr>
+          <p:cNvPr id="22" name="Rectangle 21">
+            <a:extLst>
+              <a:ext uri="{FF2B5EF4-FFF2-40B4-BE49-F238E27FC236}">
+                <a16:creationId xmlns:a16="http://schemas.microsoft.com/office/drawing/2014/main" id="{D9C49FB0-3391-B5C2-BB88-959F8E1B945E}"/>
+              </a:ext>
+            </a:extLst>
+          </p:cNvPr>
+          <p:cNvSpPr>
+            <a:spLocks/>
+          </p:cNvSpPr>
+          <p:nvPr/>
+        </p:nvSpPr>
+        <p:spPr>
+          <a:xfrm>
+            <a:off x="7727915" y="3140827"/>
+            <a:ext cx="2743200" cy="534062"/>
+          </a:xfrm>
+          <a:prstGeom prst="rect">
+            <a:avLst/>
+          </a:prstGeom>
+          <a:solidFill>
+            <a:schemeClr val="accent6">
+              <a:lumMod val="60000"/>
+              <a:lumOff val="40000"/>
+            </a:schemeClr>
+          </a:solidFill>
+          <a:ln w="38100">
+            <a:solidFill>
+              <a:schemeClr val="tx1"/>
+            </a:solidFill>
+          </a:ln>
+        </p:spPr>
+        <p:style>
+          <a:lnRef idx="2">
+            <a:schemeClr val="accent1">
+              <a:shade val="50000"/>
+            </a:schemeClr>
+          </a:lnRef>
+          <a:fillRef idx="1">
+            <a:schemeClr val="accent1"/>
+          </a:fillRef>
+          <a:effectRef idx="0">
+            <a:schemeClr val="accent1"/>
+          </a:effectRef>
+          <a:fontRef idx="minor">
+            <a:schemeClr val="lt1"/>
+          </a:fontRef>
+        </p:style>
+        <p:txBody>
+          <a:bodyPr rtlCol="0" anchor="ctr"/>
+          <a:lstStyle/>
+          <a:p>
+            <a:pPr algn="ctr"/>
+            <a:r>
+              <a:rPr lang="en-US" sz="3200" dirty="0">
+                <a:solidFill>
+                  <a:schemeClr val="accent6">
+                    <a:lumMod val="50000"/>
+                  </a:schemeClr>
+                </a:solidFill>
+              </a:rPr>
+              <a:t>SSP3</a:t>
+            </a:r>
+          </a:p>
+        </p:txBody>
+      </p:sp>
+      <p:sp>
+        <p:nvSpPr>
+          <p:cNvPr id="23" name="Rectangle 22">
+            <a:extLst>
+              <a:ext uri="{FF2B5EF4-FFF2-40B4-BE49-F238E27FC236}">
+                <a16:creationId xmlns:a16="http://schemas.microsoft.com/office/drawing/2014/main" id="{6393F53E-3E66-D7DD-2FFF-F40166CD756A}"/>
+              </a:ext>
+            </a:extLst>
+          </p:cNvPr>
+          <p:cNvSpPr/>
+          <p:nvPr/>
+        </p:nvSpPr>
+        <p:spPr>
+          <a:xfrm>
+            <a:off x="4527515" y="4895267"/>
+            <a:ext cx="2743200" cy="534062"/>
+          </a:xfrm>
+          <a:prstGeom prst="rect">
+            <a:avLst/>
+          </a:prstGeom>
+          <a:solidFill>
+            <a:srgbClr val="FF0000">
+              <a:alpha val="30000"/>
+            </a:srgbClr>
+          </a:solidFill>
+          <a:ln w="38100">
+            <a:solidFill>
+              <a:schemeClr val="tx1"/>
+            </a:solidFill>
+          </a:ln>
+        </p:spPr>
+        <p:style>
+          <a:lnRef idx="2">
+            <a:schemeClr val="accent1">
+              <a:shade val="50000"/>
+            </a:schemeClr>
+          </a:lnRef>
+          <a:fillRef idx="1">
+            <a:schemeClr val="accent1"/>
+          </a:fillRef>
+          <a:effectRef idx="0">
+            <a:schemeClr val="accent1"/>
+          </a:effectRef>
+          <a:fontRef idx="minor">
+            <a:schemeClr val="lt1"/>
+          </a:fontRef>
+        </p:style>
+        <p:txBody>
+          <a:bodyPr rtlCol="0" anchor="ctr"/>
+          <a:lstStyle/>
+          <a:p>
+            <a:pPr algn="ctr"/>
+            <a:r>
+              <a:rPr lang="en-US" sz="3200" dirty="0">
+                <a:solidFill>
+                  <a:srgbClr val="C00000"/>
+                </a:solidFill>
+              </a:rPr>
+              <a:t>Hotter Models</a:t>
+            </a:r>
+          </a:p>
+        </p:txBody>
+      </p:sp>
+      <p:sp>
+        <p:nvSpPr>
+          <p:cNvPr id="24" name="Rectangle 23">
+            <a:extLst>
+              <a:ext uri="{FF2B5EF4-FFF2-40B4-BE49-F238E27FC236}">
+                <a16:creationId xmlns:a16="http://schemas.microsoft.com/office/drawing/2014/main" id="{6787AE6D-A6FB-244E-C98E-48273CEA7682}"/>
+              </a:ext>
+            </a:extLst>
+          </p:cNvPr>
+          <p:cNvSpPr/>
+          <p:nvPr/>
+        </p:nvSpPr>
+        <p:spPr>
+          <a:xfrm>
+            <a:off x="4527515" y="3487689"/>
+            <a:ext cx="2743200" cy="534062"/>
+          </a:xfrm>
+          <a:prstGeom prst="rect">
+            <a:avLst/>
+          </a:prstGeom>
+          <a:solidFill>
+            <a:schemeClr val="accent1">
+              <a:lumMod val="40000"/>
+              <a:lumOff val="60000"/>
+            </a:schemeClr>
+          </a:solidFill>
+          <a:ln w="38100">
+            <a:solidFill>
+              <a:schemeClr val="tx1"/>
+            </a:solidFill>
+          </a:ln>
+        </p:spPr>
+        <p:style>
+          <a:lnRef idx="2">
+            <a:schemeClr val="accent1">
+              <a:shade val="50000"/>
+            </a:schemeClr>
+          </a:lnRef>
+          <a:fillRef idx="1">
+            <a:schemeClr val="accent1"/>
+          </a:fillRef>
+          <a:effectRef idx="0">
+            <a:schemeClr val="accent1"/>
+          </a:effectRef>
+          <a:fontRef idx="minor">
+            <a:schemeClr val="lt1"/>
+          </a:fontRef>
+        </p:style>
+        <p:txBody>
+          <a:bodyPr rtlCol="0" anchor="ctr"/>
+          <a:lstStyle/>
+          <a:p>
+            <a:pPr algn="ctr"/>
+            <a:r>
+              <a:rPr lang="en-US" sz="3200" dirty="0">
+                <a:solidFill>
+                  <a:schemeClr val="accent1">
+                    <a:lumMod val="50000"/>
+                  </a:schemeClr>
+                </a:solidFill>
+              </a:rPr>
+              <a:t>Cooler Models</a:t>
+            </a:r>
+          </a:p>
+        </p:txBody>
+      </p:sp>
+      <p:sp>
+        <p:nvSpPr>
+          <p:cNvPr id="25" name="Rectangle 24">
+            <a:extLst>
+              <a:ext uri="{FF2B5EF4-FFF2-40B4-BE49-F238E27FC236}">
+                <a16:creationId xmlns:a16="http://schemas.microsoft.com/office/drawing/2014/main" id="{90717E44-C7D9-F723-3406-65744F49416E}"/>
+              </a:ext>
+            </a:extLst>
+          </p:cNvPr>
+          <p:cNvSpPr/>
+          <p:nvPr/>
+        </p:nvSpPr>
+        <p:spPr>
+          <a:xfrm>
+            <a:off x="1327115" y="4126071"/>
+            <a:ext cx="2743200" cy="534062"/>
+          </a:xfrm>
+          <a:prstGeom prst="rect">
+            <a:avLst/>
+          </a:prstGeom>
+          <a:solidFill>
+            <a:schemeClr val="accent4">
+              <a:lumMod val="40000"/>
+              <a:lumOff val="60000"/>
+            </a:schemeClr>
+          </a:solidFill>
+          <a:ln w="38100">
+            <a:solidFill>
+              <a:schemeClr val="tx1"/>
+            </a:solidFill>
+          </a:ln>
+        </p:spPr>
+        <p:style>
+          <a:lnRef idx="2">
+            <a:schemeClr val="accent1">
+              <a:shade val="50000"/>
+            </a:schemeClr>
+          </a:lnRef>
+          <a:fillRef idx="1">
+            <a:schemeClr val="accent1"/>
+          </a:fillRef>
+          <a:effectRef idx="0">
+            <a:schemeClr val="accent1"/>
+          </a:effectRef>
+          <a:fontRef idx="minor">
+            <a:schemeClr val="lt1"/>
+          </a:fontRef>
+        </p:style>
+        <p:txBody>
+          <a:bodyPr rtlCol="0" anchor="ctr"/>
+          <a:lstStyle/>
+          <a:p>
+            <a:pPr algn="ctr"/>
+            <a:r>
+              <a:rPr lang="en-US" sz="3200" dirty="0">
+                <a:solidFill>
+                  <a:schemeClr val="accent4">
+                    <a:lumMod val="50000"/>
+                  </a:schemeClr>
+                </a:solidFill>
+              </a:rPr>
+              <a:t>RCP4.5</a:t>
+            </a:r>
+          </a:p>
+        </p:txBody>
+      </p:sp>
+      <p:sp>
+        <p:nvSpPr>
+          <p:cNvPr id="26" name="Rectangle 25">
+            <a:extLst>
+              <a:ext uri="{FF2B5EF4-FFF2-40B4-BE49-F238E27FC236}">
+                <a16:creationId xmlns:a16="http://schemas.microsoft.com/office/drawing/2014/main" id="{7A25A9D3-43A5-3A62-818F-FB9DE86EE6EA}"/>
+              </a:ext>
+            </a:extLst>
+          </p:cNvPr>
+          <p:cNvSpPr/>
+          <p:nvPr/>
+        </p:nvSpPr>
+        <p:spPr>
+          <a:xfrm>
+            <a:off x="10917683" y="4536741"/>
+            <a:ext cx="2743200" cy="534062"/>
+          </a:xfrm>
+          <a:prstGeom prst="rect">
+            <a:avLst/>
+          </a:prstGeom>
+          <a:noFill/>
+          <a:ln w="38100">
+            <a:noFill/>
+          </a:ln>
+        </p:spPr>
+        <p:style>
+          <a:lnRef idx="2">
+            <a:schemeClr val="accent1">
+              <a:shade val="50000"/>
+            </a:schemeClr>
+          </a:lnRef>
+          <a:fillRef idx="1">
+            <a:schemeClr val="accent1"/>
+          </a:fillRef>
+          <a:effectRef idx="0">
+            <a:schemeClr val="accent1"/>
+          </a:effectRef>
+          <a:fontRef idx="minor">
+            <a:schemeClr val="lt1"/>
+          </a:fontRef>
+        </p:style>
+        <p:txBody>
+          <a:bodyPr rtlCol="0" anchor="ctr"/>
+          <a:lstStyle/>
+          <a:p>
+            <a:pPr algn="ctr"/>
+            <a:r>
+              <a:rPr lang="en-US" sz="2400" dirty="0">
+                <a:solidFill>
+                  <a:schemeClr val="tx1"/>
+                </a:solidFill>
+              </a:rPr>
+              <a:t>rcp45hotter_ssp3</a:t>
+            </a:r>
+          </a:p>
+        </p:txBody>
+      </p:sp>
+      <p:sp>
+        <p:nvSpPr>
+          <p:cNvPr id="27" name="Rectangle 26">
+            <a:extLst>
+              <a:ext uri="{FF2B5EF4-FFF2-40B4-BE49-F238E27FC236}">
+                <a16:creationId xmlns:a16="http://schemas.microsoft.com/office/drawing/2014/main" id="{11000FA4-2C66-4259-95B4-B1603D5654EF}"/>
+              </a:ext>
+            </a:extLst>
+          </p:cNvPr>
+          <p:cNvSpPr/>
+          <p:nvPr/>
+        </p:nvSpPr>
+        <p:spPr>
+          <a:xfrm>
+            <a:off x="10917683" y="5234853"/>
+            <a:ext cx="2743200" cy="534062"/>
+          </a:xfrm>
+          <a:prstGeom prst="rect">
+            <a:avLst/>
+          </a:prstGeom>
+          <a:noFill/>
+          <a:ln w="38100">
+            <a:noFill/>
+          </a:ln>
+        </p:spPr>
+        <p:style>
+          <a:lnRef idx="2">
+            <a:schemeClr val="accent1">
+              <a:shade val="50000"/>
+            </a:schemeClr>
+          </a:lnRef>
+          <a:fillRef idx="1">
+            <a:schemeClr val="accent1"/>
+          </a:fillRef>
+          <a:effectRef idx="0">
+            <a:schemeClr val="accent1"/>
+          </a:effectRef>
+          <a:fontRef idx="minor">
+            <a:schemeClr val="lt1"/>
+          </a:fontRef>
+        </p:style>
+        <p:txBody>
+          <a:bodyPr rtlCol="0" anchor="ctr"/>
+          <a:lstStyle/>
+          <a:p>
+            <a:pPr algn="ctr"/>
+            <a:r>
+              <a:rPr lang="en-US" sz="2400" dirty="0">
+                <a:solidFill>
+                  <a:schemeClr val="tx1"/>
+                </a:solidFill>
+              </a:rPr>
+              <a:t>rcp45hotter_ssp5</a:t>
+            </a:r>
+          </a:p>
+        </p:txBody>
+      </p:sp>
+      <p:sp>
+        <p:nvSpPr>
+          <p:cNvPr id="28" name="Rectangle 27">
+            <a:extLst>
+              <a:ext uri="{FF2B5EF4-FFF2-40B4-BE49-F238E27FC236}">
+                <a16:creationId xmlns:a16="http://schemas.microsoft.com/office/drawing/2014/main" id="{511AF8E2-119A-26E1-57BE-681BED17C2F4}"/>
+              </a:ext>
+            </a:extLst>
+          </p:cNvPr>
+          <p:cNvSpPr/>
+          <p:nvPr/>
+        </p:nvSpPr>
+        <p:spPr>
+          <a:xfrm>
+            <a:off x="10917683" y="3838629"/>
+            <a:ext cx="2743200" cy="534062"/>
+          </a:xfrm>
+          <a:prstGeom prst="rect">
+            <a:avLst/>
+          </a:prstGeom>
+          <a:noFill/>
+          <a:ln w="38100">
+            <a:noFill/>
+          </a:ln>
+        </p:spPr>
+        <p:style>
+          <a:lnRef idx="2">
+            <a:schemeClr val="accent1">
+              <a:shade val="50000"/>
+            </a:schemeClr>
+          </a:lnRef>
+          <a:fillRef idx="1">
+            <a:schemeClr val="accent1"/>
+          </a:fillRef>
+          <a:effectRef idx="0">
+            <a:schemeClr val="accent1"/>
+          </a:effectRef>
+          <a:fontRef idx="minor">
+            <a:schemeClr val="lt1"/>
+          </a:fontRef>
+        </p:style>
+        <p:txBody>
+          <a:bodyPr rtlCol="0" anchor="ctr"/>
+          <a:lstStyle/>
+          <a:p>
+            <a:pPr algn="ctr"/>
+            <a:r>
+              <a:rPr lang="en-US" sz="2400" dirty="0">
+                <a:solidFill>
+                  <a:schemeClr val="tx1"/>
+                </a:solidFill>
+              </a:rPr>
+              <a:t>rcp45cooler_ssp5</a:t>
+            </a:r>
+          </a:p>
+        </p:txBody>
+      </p:sp>
+      <p:sp>
+        <p:nvSpPr>
+          <p:cNvPr id="29" name="Rectangle 28">
+            <a:extLst>
+              <a:ext uri="{FF2B5EF4-FFF2-40B4-BE49-F238E27FC236}">
+                <a16:creationId xmlns:a16="http://schemas.microsoft.com/office/drawing/2014/main" id="{EDAB2C64-08F9-73DA-7CDE-49D0DC11E83B}"/>
+              </a:ext>
+            </a:extLst>
+          </p:cNvPr>
+          <p:cNvSpPr>
+            <a:spLocks/>
+          </p:cNvSpPr>
+          <p:nvPr/>
+        </p:nvSpPr>
+        <p:spPr>
+          <a:xfrm>
+            <a:off x="10917683" y="3140827"/>
+            <a:ext cx="2743200" cy="534062"/>
+          </a:xfrm>
+          <a:prstGeom prst="rect">
+            <a:avLst/>
+          </a:prstGeom>
+          <a:noFill/>
+          <a:ln w="38100">
+            <a:noFill/>
+          </a:ln>
+        </p:spPr>
+        <p:style>
+          <a:lnRef idx="2">
+            <a:schemeClr val="accent1">
+              <a:shade val="50000"/>
+            </a:schemeClr>
+          </a:lnRef>
+          <a:fillRef idx="1">
+            <a:schemeClr val="accent1"/>
+          </a:fillRef>
+          <a:effectRef idx="0">
+            <a:schemeClr val="accent1"/>
+          </a:effectRef>
+          <a:fontRef idx="minor">
+            <a:schemeClr val="lt1"/>
+          </a:fontRef>
+        </p:style>
+        <p:txBody>
+          <a:bodyPr rtlCol="0" anchor="ctr"/>
+          <a:lstStyle/>
+          <a:p>
+            <a:pPr algn="ctr"/>
+            <a:r>
+              <a:rPr lang="en-US" sz="2400" dirty="0">
+                <a:solidFill>
+                  <a:schemeClr val="tx1"/>
+                </a:solidFill>
+              </a:rPr>
+              <a:t>rcp45cooler_ssp3</a:t>
+            </a:r>
+          </a:p>
+        </p:txBody>
+      </p:sp>
+      <p:cxnSp>
+        <p:nvCxnSpPr>
+          <p:cNvPr id="30" name="Straight Connector 29">
+            <a:extLst>
+              <a:ext uri="{FF2B5EF4-FFF2-40B4-BE49-F238E27FC236}">
+                <a16:creationId xmlns:a16="http://schemas.microsoft.com/office/drawing/2014/main" id="{25FC39BA-3457-116F-1FE2-FF3CB0BC0644}"/>
+              </a:ext>
+            </a:extLst>
+          </p:cNvPr>
+          <p:cNvCxnSpPr>
+            <a:cxnSpLocks/>
+            <a:stCxn id="22" idx="3"/>
+            <a:endCxn id="29" idx="1"/>
+          </p:cNvCxnSpPr>
+          <p:nvPr/>
+        </p:nvCxnSpPr>
+        <p:spPr>
+          <a:xfrm>
+            <a:off x="10471115" y="3407858"/>
+            <a:ext cx="446568" cy="0"/>
+          </a:xfrm>
+          <a:prstGeom prst="line">
+            <a:avLst/>
+          </a:prstGeom>
+          <a:ln w="38100">
+            <a:solidFill>
+              <a:schemeClr val="tx1"/>
+            </a:solidFill>
+            <a:headEnd type="none"/>
+            <a:tailEnd type="arrow"/>
+          </a:ln>
+        </p:spPr>
+        <p:style>
+          <a:lnRef idx="1">
+            <a:schemeClr val="accent1"/>
+          </a:lnRef>
+          <a:fillRef idx="0">
+            <a:schemeClr val="accent1"/>
+          </a:fillRef>
+          <a:effectRef idx="0">
+            <a:schemeClr val="accent1"/>
+          </a:effectRef>
+          <a:fontRef idx="minor">
+            <a:schemeClr val="tx1"/>
+          </a:fontRef>
+        </p:style>
+      </p:cxnSp>
+      <p:cxnSp>
+        <p:nvCxnSpPr>
+          <p:cNvPr id="31" name="Straight Connector 30">
+            <a:extLst>
+              <a:ext uri="{FF2B5EF4-FFF2-40B4-BE49-F238E27FC236}">
+                <a16:creationId xmlns:a16="http://schemas.microsoft.com/office/drawing/2014/main" id="{F3A88128-BF2B-3B21-08A1-D78EBFFA7986}"/>
+              </a:ext>
+            </a:extLst>
+          </p:cNvPr>
+          <p:cNvCxnSpPr>
+            <a:cxnSpLocks/>
+            <a:stCxn id="21" idx="3"/>
+            <a:endCxn id="28" idx="1"/>
+          </p:cNvCxnSpPr>
+          <p:nvPr/>
+        </p:nvCxnSpPr>
+        <p:spPr>
+          <a:xfrm>
+            <a:off x="10471115" y="4105660"/>
+            <a:ext cx="446568" cy="0"/>
+          </a:xfrm>
+          <a:prstGeom prst="line">
+            <a:avLst/>
+          </a:prstGeom>
+          <a:ln w="38100">
+            <a:solidFill>
+              <a:schemeClr val="tx1"/>
+            </a:solidFill>
+            <a:tailEnd type="arrow"/>
+          </a:ln>
+        </p:spPr>
+        <p:style>
+          <a:lnRef idx="1">
+            <a:schemeClr val="accent1"/>
+          </a:lnRef>
+          <a:fillRef idx="0">
+            <a:schemeClr val="accent1"/>
+          </a:fillRef>
+          <a:effectRef idx="0">
+            <a:schemeClr val="accent1"/>
+          </a:effectRef>
+          <a:fontRef idx="minor">
+            <a:schemeClr val="tx1"/>
+          </a:fontRef>
+        </p:style>
+      </p:cxnSp>
+      <p:cxnSp>
+        <p:nvCxnSpPr>
+          <p:cNvPr id="32" name="Straight Connector 31">
+            <a:extLst>
+              <a:ext uri="{FF2B5EF4-FFF2-40B4-BE49-F238E27FC236}">
+                <a16:creationId xmlns:a16="http://schemas.microsoft.com/office/drawing/2014/main" id="{1B192BC6-0D84-CDB1-2B29-4EC02762E39A}"/>
+              </a:ext>
+            </a:extLst>
+          </p:cNvPr>
+          <p:cNvCxnSpPr>
+            <a:cxnSpLocks/>
+            <a:stCxn id="19" idx="3"/>
+            <a:endCxn id="26" idx="1"/>
+          </p:cNvCxnSpPr>
+          <p:nvPr/>
+        </p:nvCxnSpPr>
+        <p:spPr>
+          <a:xfrm>
+            <a:off x="10471115" y="4803772"/>
+            <a:ext cx="446568" cy="0"/>
+          </a:xfrm>
+          <a:prstGeom prst="line">
+            <a:avLst/>
+          </a:prstGeom>
+          <a:ln w="38100">
+            <a:solidFill>
+              <a:schemeClr val="tx1"/>
+            </a:solidFill>
+            <a:tailEnd type="arrow"/>
+          </a:ln>
+        </p:spPr>
+        <p:style>
+          <a:lnRef idx="1">
+            <a:schemeClr val="accent1"/>
+          </a:lnRef>
+          <a:fillRef idx="0">
+            <a:schemeClr val="accent1"/>
+          </a:fillRef>
+          <a:effectRef idx="0">
+            <a:schemeClr val="accent1"/>
+          </a:effectRef>
+          <a:fontRef idx="minor">
+            <a:schemeClr val="tx1"/>
+          </a:fontRef>
+        </p:style>
+      </p:cxnSp>
+      <p:cxnSp>
+        <p:nvCxnSpPr>
+          <p:cNvPr id="33" name="Straight Connector 32">
+            <a:extLst>
+              <a:ext uri="{FF2B5EF4-FFF2-40B4-BE49-F238E27FC236}">
+                <a16:creationId xmlns:a16="http://schemas.microsoft.com/office/drawing/2014/main" id="{15A99D74-78F3-CC8A-96D5-421E2E3534FB}"/>
+              </a:ext>
+            </a:extLst>
+          </p:cNvPr>
+          <p:cNvCxnSpPr>
+            <a:cxnSpLocks/>
+            <a:stCxn id="20" idx="3"/>
+            <a:endCxn id="27" idx="1"/>
+          </p:cNvCxnSpPr>
+          <p:nvPr/>
+        </p:nvCxnSpPr>
+        <p:spPr>
+          <a:xfrm>
+            <a:off x="10471115" y="5501884"/>
+            <a:ext cx="446568" cy="0"/>
+          </a:xfrm>
+          <a:prstGeom prst="line">
+            <a:avLst/>
+          </a:prstGeom>
+          <a:ln w="38100">
+            <a:solidFill>
+              <a:schemeClr val="tx1"/>
+            </a:solidFill>
+            <a:tailEnd type="arrow"/>
+          </a:ln>
+        </p:spPr>
+        <p:style>
+          <a:lnRef idx="1">
+            <a:schemeClr val="accent1"/>
+          </a:lnRef>
+          <a:fillRef idx="0">
+            <a:schemeClr val="accent1"/>
+          </a:fillRef>
+          <a:effectRef idx="0">
+            <a:schemeClr val="accent1"/>
+          </a:effectRef>
+          <a:fontRef idx="minor">
+            <a:schemeClr val="tx1"/>
+          </a:fontRef>
+        </p:style>
+      </p:cxnSp>
+      <p:cxnSp>
+        <p:nvCxnSpPr>
+          <p:cNvPr id="34" name="Straight Connector 33">
+            <a:extLst>
+              <a:ext uri="{FF2B5EF4-FFF2-40B4-BE49-F238E27FC236}">
+                <a16:creationId xmlns:a16="http://schemas.microsoft.com/office/drawing/2014/main" id="{5F9AF500-3632-D4EA-398D-0DF389A187A3}"/>
+              </a:ext>
+            </a:extLst>
+          </p:cNvPr>
+          <p:cNvCxnSpPr>
+            <a:stCxn id="46" idx="3"/>
+            <a:endCxn id="45" idx="1"/>
+          </p:cNvCxnSpPr>
+          <p:nvPr/>
+        </p:nvCxnSpPr>
+        <p:spPr>
+          <a:xfrm flipV="1">
+            <a:off x="4070315" y="6625413"/>
+            <a:ext cx="457200" cy="638382"/>
+          </a:xfrm>
+          <a:prstGeom prst="line">
+            <a:avLst/>
+          </a:prstGeom>
+          <a:ln w="38100">
+            <a:solidFill>
+              <a:schemeClr val="tx1"/>
+            </a:solidFill>
+          </a:ln>
+        </p:spPr>
+        <p:style>
+          <a:lnRef idx="1">
+            <a:schemeClr val="accent1"/>
+          </a:lnRef>
+          <a:fillRef idx="0">
+            <a:schemeClr val="accent1"/>
+          </a:fillRef>
+          <a:effectRef idx="0">
+            <a:schemeClr val="accent1"/>
+          </a:effectRef>
+          <a:fontRef idx="minor">
+            <a:schemeClr val="tx1"/>
+          </a:fontRef>
+        </p:style>
+      </p:cxnSp>
+      <p:cxnSp>
+        <p:nvCxnSpPr>
+          <p:cNvPr id="35" name="Straight Connector 34">
+            <a:extLst>
+              <a:ext uri="{FF2B5EF4-FFF2-40B4-BE49-F238E27FC236}">
+                <a16:creationId xmlns:a16="http://schemas.microsoft.com/office/drawing/2014/main" id="{DD0E39B7-28D8-ACA1-181D-48B783FA75B3}"/>
+              </a:ext>
+            </a:extLst>
+          </p:cNvPr>
+          <p:cNvCxnSpPr>
+            <a:cxnSpLocks/>
+            <a:stCxn id="46" idx="3"/>
+            <a:endCxn id="44" idx="1"/>
+          </p:cNvCxnSpPr>
+          <p:nvPr/>
+        </p:nvCxnSpPr>
+        <p:spPr>
+          <a:xfrm>
+            <a:off x="4070315" y="7263795"/>
+            <a:ext cx="457200" cy="769196"/>
+          </a:xfrm>
+          <a:prstGeom prst="line">
+            <a:avLst/>
+          </a:prstGeom>
+          <a:ln w="38100">
+            <a:solidFill>
+              <a:schemeClr val="tx1"/>
+            </a:solidFill>
+          </a:ln>
+        </p:spPr>
+        <p:style>
+          <a:lnRef idx="1">
+            <a:schemeClr val="accent1"/>
+          </a:lnRef>
+          <a:fillRef idx="0">
+            <a:schemeClr val="accent1"/>
+          </a:fillRef>
+          <a:effectRef idx="0">
+            <a:schemeClr val="accent1"/>
+          </a:effectRef>
+          <a:fontRef idx="minor">
+            <a:schemeClr val="tx1"/>
+          </a:fontRef>
+        </p:style>
+      </p:cxnSp>
+      <p:cxnSp>
+        <p:nvCxnSpPr>
+          <p:cNvPr id="36" name="Straight Connector 35">
+            <a:extLst>
+              <a:ext uri="{FF2B5EF4-FFF2-40B4-BE49-F238E27FC236}">
+                <a16:creationId xmlns:a16="http://schemas.microsoft.com/office/drawing/2014/main" id="{0F81FB33-846E-FF79-C5DA-92A72E08F5C4}"/>
+              </a:ext>
+            </a:extLst>
+          </p:cNvPr>
+          <p:cNvCxnSpPr>
+            <a:cxnSpLocks/>
+            <a:stCxn id="41" idx="1"/>
+            <a:endCxn id="44" idx="3"/>
+          </p:cNvCxnSpPr>
+          <p:nvPr/>
+        </p:nvCxnSpPr>
+        <p:spPr>
+          <a:xfrm flipH="1" flipV="1">
+            <a:off x="7270715" y="8032991"/>
+            <a:ext cx="457200" cy="339586"/>
+          </a:xfrm>
+          <a:prstGeom prst="line">
+            <a:avLst/>
+          </a:prstGeom>
+          <a:ln w="38100">
+            <a:solidFill>
+              <a:schemeClr val="tx1"/>
+            </a:solidFill>
+          </a:ln>
+        </p:spPr>
+        <p:style>
+          <a:lnRef idx="1">
+            <a:schemeClr val="accent1"/>
+          </a:lnRef>
+          <a:fillRef idx="0">
+            <a:schemeClr val="accent1"/>
+          </a:fillRef>
+          <a:effectRef idx="0">
+            <a:schemeClr val="accent1"/>
+          </a:effectRef>
+          <a:fontRef idx="minor">
+            <a:schemeClr val="tx1"/>
+          </a:fontRef>
+        </p:style>
+      </p:cxnSp>
+      <p:cxnSp>
+        <p:nvCxnSpPr>
+          <p:cNvPr id="37" name="Straight Connector 36">
+            <a:extLst>
+              <a:ext uri="{FF2B5EF4-FFF2-40B4-BE49-F238E27FC236}">
+                <a16:creationId xmlns:a16="http://schemas.microsoft.com/office/drawing/2014/main" id="{2FF8346A-4FE3-2539-FE48-8F0443122EFD}"/>
+              </a:ext>
+            </a:extLst>
+          </p:cNvPr>
+          <p:cNvCxnSpPr>
+            <a:cxnSpLocks/>
+            <a:stCxn id="40" idx="1"/>
+            <a:endCxn id="44" idx="3"/>
+          </p:cNvCxnSpPr>
+          <p:nvPr/>
+        </p:nvCxnSpPr>
+        <p:spPr>
+          <a:xfrm flipH="1">
+            <a:off x="7270715" y="7674465"/>
+            <a:ext cx="457200" cy="358526"/>
+          </a:xfrm>
+          <a:prstGeom prst="line">
+            <a:avLst/>
+          </a:prstGeom>
+          <a:ln w="38100">
+            <a:solidFill>
+              <a:schemeClr val="tx1"/>
+            </a:solidFill>
+          </a:ln>
+        </p:spPr>
+        <p:style>
+          <a:lnRef idx="1">
+            <a:schemeClr val="accent1"/>
+          </a:lnRef>
+          <a:fillRef idx="0">
+            <a:schemeClr val="accent1"/>
+          </a:fillRef>
+          <a:effectRef idx="0">
+            <a:schemeClr val="accent1"/>
+          </a:effectRef>
+          <a:fontRef idx="minor">
+            <a:schemeClr val="tx1"/>
+          </a:fontRef>
+        </p:style>
+      </p:cxnSp>
+      <p:cxnSp>
+        <p:nvCxnSpPr>
+          <p:cNvPr id="38" name="Straight Connector 37">
+            <a:extLst>
+              <a:ext uri="{FF2B5EF4-FFF2-40B4-BE49-F238E27FC236}">
+                <a16:creationId xmlns:a16="http://schemas.microsoft.com/office/drawing/2014/main" id="{CEB754C3-31F5-059E-6F3D-360F2F2F173C}"/>
+              </a:ext>
+            </a:extLst>
+          </p:cNvPr>
+          <p:cNvCxnSpPr>
+            <a:cxnSpLocks/>
+            <a:stCxn id="42" idx="1"/>
+            <a:endCxn id="45" idx="3"/>
+          </p:cNvCxnSpPr>
+          <p:nvPr/>
+        </p:nvCxnSpPr>
+        <p:spPr>
+          <a:xfrm flipH="1" flipV="1">
+            <a:off x="7270715" y="6625413"/>
+            <a:ext cx="457200" cy="350940"/>
+          </a:xfrm>
+          <a:prstGeom prst="line">
+            <a:avLst/>
+          </a:prstGeom>
+          <a:ln w="38100">
+            <a:solidFill>
+              <a:schemeClr val="tx1"/>
+            </a:solidFill>
+          </a:ln>
+        </p:spPr>
+        <p:style>
+          <a:lnRef idx="1">
+            <a:schemeClr val="accent1"/>
+          </a:lnRef>
+          <a:fillRef idx="0">
+            <a:schemeClr val="accent1"/>
+          </a:fillRef>
+          <a:effectRef idx="0">
+            <a:schemeClr val="accent1"/>
+          </a:effectRef>
+          <a:fontRef idx="minor">
+            <a:schemeClr val="tx1"/>
+          </a:fontRef>
+        </p:style>
+      </p:cxnSp>
+      <p:cxnSp>
+        <p:nvCxnSpPr>
+          <p:cNvPr id="39" name="Straight Connector 38">
+            <a:extLst>
+              <a:ext uri="{FF2B5EF4-FFF2-40B4-BE49-F238E27FC236}">
+                <a16:creationId xmlns:a16="http://schemas.microsoft.com/office/drawing/2014/main" id="{B0C9D981-962E-C660-611A-E613AD0258CA}"/>
+              </a:ext>
+            </a:extLst>
+          </p:cNvPr>
+          <p:cNvCxnSpPr>
+            <a:cxnSpLocks/>
+            <a:stCxn id="43" idx="1"/>
+            <a:endCxn id="45" idx="3"/>
+          </p:cNvCxnSpPr>
+          <p:nvPr/>
+        </p:nvCxnSpPr>
+        <p:spPr>
+          <a:xfrm flipH="1">
+            <a:off x="7270715" y="6278551"/>
+            <a:ext cx="457200" cy="346862"/>
+          </a:xfrm>
+          <a:prstGeom prst="line">
+            <a:avLst/>
+          </a:prstGeom>
+          <a:ln w="38100">
+            <a:solidFill>
+              <a:schemeClr val="tx1"/>
+            </a:solidFill>
+          </a:ln>
+        </p:spPr>
+        <p:style>
+          <a:lnRef idx="1">
+            <a:schemeClr val="accent1"/>
+          </a:lnRef>
+          <a:fillRef idx="0">
+            <a:schemeClr val="accent1"/>
+          </a:fillRef>
+          <a:effectRef idx="0">
+            <a:schemeClr val="accent1"/>
+          </a:effectRef>
+          <a:fontRef idx="minor">
+            <a:schemeClr val="tx1"/>
+          </a:fontRef>
+        </p:style>
+      </p:cxnSp>
+      <p:sp>
+        <p:nvSpPr>
+          <p:cNvPr id="40" name="Rectangle 39">
+            <a:extLst>
+              <a:ext uri="{FF2B5EF4-FFF2-40B4-BE49-F238E27FC236}">
+                <a16:creationId xmlns:a16="http://schemas.microsoft.com/office/drawing/2014/main" id="{13F491E3-63A2-D2EA-6E4E-96101C326E34}"/>
+              </a:ext>
+            </a:extLst>
+          </p:cNvPr>
+          <p:cNvSpPr/>
+          <p:nvPr/>
+        </p:nvSpPr>
+        <p:spPr>
+          <a:xfrm>
+            <a:off x="7727915" y="7407434"/>
+            <a:ext cx="2743200" cy="534062"/>
+          </a:xfrm>
+          <a:prstGeom prst="rect">
+            <a:avLst/>
+          </a:prstGeom>
+          <a:solidFill>
+            <a:schemeClr val="accent6">
+              <a:lumMod val="60000"/>
+              <a:lumOff val="40000"/>
+            </a:schemeClr>
+          </a:solidFill>
+          <a:ln w="38100">
+            <a:solidFill>
+              <a:schemeClr val="tx1"/>
+            </a:solidFill>
+          </a:ln>
+        </p:spPr>
+        <p:style>
+          <a:lnRef idx="2">
+            <a:schemeClr val="accent1">
+              <a:shade val="50000"/>
+            </a:schemeClr>
+          </a:lnRef>
+          <a:fillRef idx="1">
+            <a:schemeClr val="accent1"/>
+          </a:fillRef>
+          <a:effectRef idx="0">
+            <a:schemeClr val="accent1"/>
+          </a:effectRef>
+          <a:fontRef idx="minor">
+            <a:schemeClr val="lt1"/>
+          </a:fontRef>
+        </p:style>
+        <p:txBody>
+          <a:bodyPr rtlCol="0" anchor="ctr"/>
+          <a:lstStyle/>
+          <a:p>
+            <a:pPr algn="ctr"/>
+            <a:r>
+              <a:rPr lang="en-US" sz="3200" dirty="0">
+                <a:solidFill>
+                  <a:schemeClr val="accent6">
+                    <a:lumMod val="50000"/>
+                  </a:schemeClr>
+                </a:solidFill>
+              </a:rPr>
+              <a:t>SSP3</a:t>
+            </a:r>
+          </a:p>
+        </p:txBody>
+      </p:sp>
+      <p:sp>
+        <p:nvSpPr>
+          <p:cNvPr id="41" name="Rectangle 40">
+            <a:extLst>
+              <a:ext uri="{FF2B5EF4-FFF2-40B4-BE49-F238E27FC236}">
+                <a16:creationId xmlns:a16="http://schemas.microsoft.com/office/drawing/2014/main" id="{93B08874-813B-3F20-FBBA-FA9CC1DD5EAE}"/>
+              </a:ext>
+            </a:extLst>
+          </p:cNvPr>
+          <p:cNvSpPr/>
+          <p:nvPr/>
+        </p:nvSpPr>
+        <p:spPr>
+          <a:xfrm>
+            <a:off x="7727915" y="8105546"/>
+            <a:ext cx="2743200" cy="534062"/>
+          </a:xfrm>
+          <a:prstGeom prst="rect">
+            <a:avLst/>
+          </a:prstGeom>
+          <a:solidFill>
+            <a:schemeClr val="accent5">
+              <a:lumMod val="40000"/>
+              <a:lumOff val="60000"/>
+            </a:schemeClr>
+          </a:solidFill>
+          <a:ln w="38100">
+            <a:solidFill>
+              <a:schemeClr val="tx1"/>
+            </a:solidFill>
+          </a:ln>
+        </p:spPr>
+        <p:style>
+          <a:lnRef idx="2">
+            <a:schemeClr val="accent1">
+              <a:shade val="50000"/>
+            </a:schemeClr>
+          </a:lnRef>
+          <a:fillRef idx="1">
+            <a:schemeClr val="accent1"/>
+          </a:fillRef>
+          <a:effectRef idx="0">
+            <a:schemeClr val="accent1"/>
+          </a:effectRef>
+          <a:fontRef idx="minor">
+            <a:schemeClr val="lt1"/>
+          </a:fontRef>
+        </p:style>
+        <p:txBody>
+          <a:bodyPr rtlCol="0" anchor="ctr"/>
+          <a:lstStyle/>
+          <a:p>
+            <a:pPr algn="ctr"/>
+            <a:r>
+              <a:rPr lang="en-US" sz="3200" dirty="0">
+                <a:solidFill>
+                  <a:schemeClr val="accent1">
+                    <a:lumMod val="50000"/>
+                  </a:schemeClr>
+                </a:solidFill>
+              </a:rPr>
+              <a:t>SSP5</a:t>
+            </a:r>
+          </a:p>
+        </p:txBody>
+      </p:sp>
+      <p:sp>
+        <p:nvSpPr>
+          <p:cNvPr id="42" name="Rectangle 41">
+            <a:extLst>
+              <a:ext uri="{FF2B5EF4-FFF2-40B4-BE49-F238E27FC236}">
+                <a16:creationId xmlns:a16="http://schemas.microsoft.com/office/drawing/2014/main" id="{0D9D56ED-6FEE-0575-C809-D568E0D24F12}"/>
+              </a:ext>
+            </a:extLst>
+          </p:cNvPr>
+          <p:cNvSpPr/>
+          <p:nvPr/>
+        </p:nvSpPr>
+        <p:spPr>
+          <a:xfrm>
+            <a:off x="7727915" y="6709322"/>
+            <a:ext cx="2743200" cy="534062"/>
+          </a:xfrm>
+          <a:prstGeom prst="rect">
+            <a:avLst/>
+          </a:prstGeom>
+          <a:solidFill>
+            <a:schemeClr val="accent5">
+              <a:lumMod val="40000"/>
+              <a:lumOff val="60000"/>
+            </a:schemeClr>
+          </a:solidFill>
+          <a:ln w="38100">
+            <a:solidFill>
+              <a:schemeClr val="tx1"/>
+            </a:solidFill>
+          </a:ln>
+        </p:spPr>
+        <p:style>
+          <a:lnRef idx="2">
+            <a:schemeClr val="accent1">
+              <a:shade val="50000"/>
+            </a:schemeClr>
+          </a:lnRef>
+          <a:fillRef idx="1">
+            <a:schemeClr val="accent1"/>
+          </a:fillRef>
+          <a:effectRef idx="0">
+            <a:schemeClr val="accent1"/>
+          </a:effectRef>
+          <a:fontRef idx="minor">
+            <a:schemeClr val="lt1"/>
+          </a:fontRef>
+        </p:style>
+        <p:txBody>
+          <a:bodyPr rtlCol="0" anchor="ctr"/>
+          <a:lstStyle/>
+          <a:p>
+            <a:pPr algn="ctr"/>
+            <a:r>
+              <a:rPr lang="en-US" sz="3200" dirty="0">
+                <a:solidFill>
+                  <a:schemeClr val="accent1">
+                    <a:lumMod val="50000"/>
+                  </a:schemeClr>
+                </a:solidFill>
+              </a:rPr>
+              <a:t>SSP5</a:t>
+            </a:r>
+          </a:p>
+        </p:txBody>
+      </p:sp>
+      <p:sp>
+        <p:nvSpPr>
+          <p:cNvPr id="43" name="Rectangle 42">
+            <a:extLst>
+              <a:ext uri="{FF2B5EF4-FFF2-40B4-BE49-F238E27FC236}">
+                <a16:creationId xmlns:a16="http://schemas.microsoft.com/office/drawing/2014/main" id="{93E30804-C49F-B64F-A17C-019570232D5F}"/>
+              </a:ext>
+            </a:extLst>
+          </p:cNvPr>
+          <p:cNvSpPr>
+            <a:spLocks/>
+          </p:cNvSpPr>
+          <p:nvPr/>
+        </p:nvSpPr>
+        <p:spPr>
+          <a:xfrm>
+            <a:off x="7727915" y="6011520"/>
+            <a:ext cx="2743200" cy="534062"/>
+          </a:xfrm>
+          <a:prstGeom prst="rect">
+            <a:avLst/>
+          </a:prstGeom>
+          <a:solidFill>
+            <a:schemeClr val="accent6">
+              <a:lumMod val="60000"/>
+              <a:lumOff val="40000"/>
+            </a:schemeClr>
+          </a:solidFill>
+          <a:ln w="38100">
+            <a:solidFill>
+              <a:schemeClr val="tx1"/>
+            </a:solidFill>
+          </a:ln>
+        </p:spPr>
+        <p:style>
+          <a:lnRef idx="2">
+            <a:schemeClr val="accent1">
+              <a:shade val="50000"/>
+            </a:schemeClr>
+          </a:lnRef>
+          <a:fillRef idx="1">
+            <a:schemeClr val="accent1"/>
+          </a:fillRef>
+          <a:effectRef idx="0">
+            <a:schemeClr val="accent1"/>
+          </a:effectRef>
+          <a:fontRef idx="minor">
+            <a:schemeClr val="lt1"/>
+          </a:fontRef>
+        </p:style>
+        <p:txBody>
+          <a:bodyPr rtlCol="0" anchor="ctr"/>
+          <a:lstStyle/>
+          <a:p>
+            <a:pPr algn="ctr"/>
+            <a:r>
+              <a:rPr lang="en-US" sz="3200" dirty="0">
+                <a:solidFill>
+                  <a:schemeClr val="accent6">
+                    <a:lumMod val="50000"/>
+                  </a:schemeClr>
+                </a:solidFill>
+              </a:rPr>
+              <a:t>SSP3</a:t>
+            </a:r>
+          </a:p>
+        </p:txBody>
+      </p:sp>
+      <p:sp>
+        <p:nvSpPr>
+          <p:cNvPr id="44" name="Rectangle 43">
+            <a:extLst>
+              <a:ext uri="{FF2B5EF4-FFF2-40B4-BE49-F238E27FC236}">
+                <a16:creationId xmlns:a16="http://schemas.microsoft.com/office/drawing/2014/main" id="{A7DA5509-8B1B-EF65-9408-63989E31E15C}"/>
+              </a:ext>
+            </a:extLst>
+          </p:cNvPr>
+          <p:cNvSpPr/>
+          <p:nvPr/>
+        </p:nvSpPr>
+        <p:spPr>
+          <a:xfrm>
+            <a:off x="4527515" y="7765960"/>
+            <a:ext cx="2743200" cy="534062"/>
+          </a:xfrm>
+          <a:prstGeom prst="rect">
+            <a:avLst/>
+          </a:prstGeom>
+          <a:solidFill>
+            <a:srgbClr val="FF0000">
+              <a:alpha val="30000"/>
+            </a:srgbClr>
+          </a:solidFill>
+          <a:ln w="38100">
+            <a:solidFill>
+              <a:schemeClr val="tx1"/>
+            </a:solidFill>
+          </a:ln>
+        </p:spPr>
+        <p:style>
+          <a:lnRef idx="2">
+            <a:schemeClr val="accent1">
+              <a:shade val="50000"/>
+            </a:schemeClr>
+          </a:lnRef>
+          <a:fillRef idx="1">
+            <a:schemeClr val="accent1"/>
+          </a:fillRef>
+          <a:effectRef idx="0">
+            <a:schemeClr val="accent1"/>
+          </a:effectRef>
+          <a:fontRef idx="minor">
+            <a:schemeClr val="lt1"/>
+          </a:fontRef>
+        </p:style>
+        <p:txBody>
+          <a:bodyPr rtlCol="0" anchor="ctr"/>
+          <a:lstStyle/>
+          <a:p>
+            <a:pPr algn="ctr"/>
+            <a:r>
+              <a:rPr lang="en-US" sz="3200" dirty="0">
+                <a:solidFill>
+                  <a:srgbClr val="C00000"/>
+                </a:solidFill>
+              </a:rPr>
+              <a:t>Hotter Models</a:t>
+            </a:r>
+          </a:p>
+        </p:txBody>
+      </p:sp>
+      <p:sp>
+        <p:nvSpPr>
+          <p:cNvPr id="45" name="Rectangle 44">
+            <a:extLst>
+              <a:ext uri="{FF2B5EF4-FFF2-40B4-BE49-F238E27FC236}">
+                <a16:creationId xmlns:a16="http://schemas.microsoft.com/office/drawing/2014/main" id="{1127FB59-404A-9161-E16F-B86B5C8A46EE}"/>
+              </a:ext>
+            </a:extLst>
+          </p:cNvPr>
+          <p:cNvSpPr/>
+          <p:nvPr/>
+        </p:nvSpPr>
+        <p:spPr>
+          <a:xfrm>
+            <a:off x="4527515" y="6358382"/>
+            <a:ext cx="2743200" cy="534062"/>
+          </a:xfrm>
+          <a:prstGeom prst="rect">
+            <a:avLst/>
+          </a:prstGeom>
+          <a:solidFill>
+            <a:schemeClr val="accent1">
+              <a:lumMod val="40000"/>
+              <a:lumOff val="60000"/>
+            </a:schemeClr>
+          </a:solidFill>
+          <a:ln w="38100">
+            <a:solidFill>
+              <a:schemeClr val="tx1"/>
+            </a:solidFill>
+          </a:ln>
+        </p:spPr>
+        <p:style>
+          <a:lnRef idx="2">
+            <a:schemeClr val="accent1">
+              <a:shade val="50000"/>
+            </a:schemeClr>
+          </a:lnRef>
+          <a:fillRef idx="1">
+            <a:schemeClr val="accent1"/>
+          </a:fillRef>
+          <a:effectRef idx="0">
+            <a:schemeClr val="accent1"/>
+          </a:effectRef>
+          <a:fontRef idx="minor">
+            <a:schemeClr val="lt1"/>
+          </a:fontRef>
+        </p:style>
+        <p:txBody>
+          <a:bodyPr rtlCol="0" anchor="ctr"/>
+          <a:lstStyle/>
+          <a:p>
+            <a:pPr algn="ctr"/>
+            <a:r>
+              <a:rPr lang="en-US" sz="3200" dirty="0">
+                <a:solidFill>
+                  <a:schemeClr val="accent1">
+                    <a:lumMod val="50000"/>
+                  </a:schemeClr>
+                </a:solidFill>
+              </a:rPr>
+              <a:t>Cooler Models</a:t>
+            </a:r>
+          </a:p>
+        </p:txBody>
+      </p:sp>
+      <p:sp>
+        <p:nvSpPr>
+          <p:cNvPr id="46" name="Rectangle 45">
+            <a:extLst>
+              <a:ext uri="{FF2B5EF4-FFF2-40B4-BE49-F238E27FC236}">
+                <a16:creationId xmlns:a16="http://schemas.microsoft.com/office/drawing/2014/main" id="{B3F5268B-DD08-F06F-3C29-B15FA076C698}"/>
+              </a:ext>
+            </a:extLst>
+          </p:cNvPr>
+          <p:cNvSpPr/>
+          <p:nvPr/>
+        </p:nvSpPr>
+        <p:spPr>
+          <a:xfrm>
+            <a:off x="1327115" y="6996764"/>
+            <a:ext cx="2743200" cy="534062"/>
+          </a:xfrm>
+          <a:prstGeom prst="rect">
+            <a:avLst/>
+          </a:prstGeom>
+          <a:solidFill>
+            <a:srgbClr val="7030A0">
+              <a:alpha val="29756"/>
+            </a:srgbClr>
+          </a:solidFill>
+          <a:ln w="38100">
+            <a:solidFill>
+              <a:schemeClr val="tx1"/>
+            </a:solidFill>
+          </a:ln>
+        </p:spPr>
+        <p:style>
+          <a:lnRef idx="2">
+            <a:schemeClr val="accent1">
+              <a:shade val="50000"/>
+            </a:schemeClr>
+          </a:lnRef>
+          <a:fillRef idx="1">
+            <a:schemeClr val="accent1"/>
+          </a:fillRef>
+          <a:effectRef idx="0">
+            <a:schemeClr val="accent1"/>
+          </a:effectRef>
+          <a:fontRef idx="minor">
+            <a:schemeClr val="lt1"/>
+          </a:fontRef>
+        </p:style>
+        <p:txBody>
+          <a:bodyPr rtlCol="0" anchor="ctr"/>
+          <a:lstStyle/>
+          <a:p>
+            <a:pPr algn="ctr"/>
+            <a:r>
+              <a:rPr lang="en-US" sz="3200" dirty="0">
+                <a:solidFill>
+                  <a:srgbClr val="7030A0"/>
+                </a:solidFill>
+              </a:rPr>
+              <a:t>RCP8.5</a:t>
+            </a:r>
+          </a:p>
+        </p:txBody>
+      </p:sp>
+      <p:sp>
+        <p:nvSpPr>
+          <p:cNvPr id="47" name="Rectangle 46">
+            <a:extLst>
+              <a:ext uri="{FF2B5EF4-FFF2-40B4-BE49-F238E27FC236}">
+                <a16:creationId xmlns:a16="http://schemas.microsoft.com/office/drawing/2014/main" id="{6BC6112F-6C7A-23CF-3953-E57F1DFE3C4F}"/>
+              </a:ext>
+            </a:extLst>
+          </p:cNvPr>
+          <p:cNvSpPr/>
+          <p:nvPr/>
+        </p:nvSpPr>
+        <p:spPr>
+          <a:xfrm>
+            <a:off x="10917683" y="7407434"/>
+            <a:ext cx="2743200" cy="534062"/>
+          </a:xfrm>
+          <a:prstGeom prst="rect">
+            <a:avLst/>
+          </a:prstGeom>
+          <a:noFill/>
+          <a:ln w="38100">
+            <a:noFill/>
+          </a:ln>
+        </p:spPr>
+        <p:style>
+          <a:lnRef idx="2">
+            <a:schemeClr val="accent1">
+              <a:shade val="50000"/>
+            </a:schemeClr>
+          </a:lnRef>
+          <a:fillRef idx="1">
+            <a:schemeClr val="accent1"/>
+          </a:fillRef>
+          <a:effectRef idx="0">
+            <a:schemeClr val="accent1"/>
+          </a:effectRef>
+          <a:fontRef idx="minor">
+            <a:schemeClr val="lt1"/>
+          </a:fontRef>
+        </p:style>
+        <p:txBody>
+          <a:bodyPr rtlCol="0" anchor="ctr"/>
+          <a:lstStyle/>
+          <a:p>
+            <a:pPr algn="ctr"/>
+            <a:r>
+              <a:rPr lang="en-US" sz="2400" dirty="0">
+                <a:solidFill>
+                  <a:schemeClr val="tx1"/>
+                </a:solidFill>
+              </a:rPr>
+              <a:t>rcp85hotter_ssp3</a:t>
+            </a:r>
+          </a:p>
+        </p:txBody>
+      </p:sp>
+      <p:sp>
+        <p:nvSpPr>
+          <p:cNvPr id="48" name="Rectangle 47">
+            <a:extLst>
+              <a:ext uri="{FF2B5EF4-FFF2-40B4-BE49-F238E27FC236}">
+                <a16:creationId xmlns:a16="http://schemas.microsoft.com/office/drawing/2014/main" id="{C6239D8A-49AE-E700-D86E-2A9535B551B0}"/>
+              </a:ext>
+            </a:extLst>
+          </p:cNvPr>
+          <p:cNvSpPr/>
+          <p:nvPr/>
+        </p:nvSpPr>
+        <p:spPr>
+          <a:xfrm>
+            <a:off x="10917683" y="8105546"/>
+            <a:ext cx="2743200" cy="534062"/>
+          </a:xfrm>
+          <a:prstGeom prst="rect">
+            <a:avLst/>
+          </a:prstGeom>
+          <a:noFill/>
+          <a:ln w="38100">
+            <a:noFill/>
+          </a:ln>
+        </p:spPr>
+        <p:style>
+          <a:lnRef idx="2">
+            <a:schemeClr val="accent1">
+              <a:shade val="50000"/>
+            </a:schemeClr>
+          </a:lnRef>
+          <a:fillRef idx="1">
+            <a:schemeClr val="accent1"/>
+          </a:fillRef>
+          <a:effectRef idx="0">
+            <a:schemeClr val="accent1"/>
+          </a:effectRef>
+          <a:fontRef idx="minor">
+            <a:schemeClr val="lt1"/>
+          </a:fontRef>
+        </p:style>
+        <p:txBody>
+          <a:bodyPr rtlCol="0" anchor="ctr"/>
+          <a:lstStyle/>
+          <a:p>
+            <a:pPr algn="ctr"/>
+            <a:r>
+              <a:rPr lang="en-US" sz="2400" dirty="0">
+                <a:solidFill>
+                  <a:schemeClr val="tx1"/>
+                </a:solidFill>
+              </a:rPr>
+              <a:t>rcp85hotter_ssp5</a:t>
+            </a:r>
+          </a:p>
+        </p:txBody>
+      </p:sp>
+      <p:sp>
+        <p:nvSpPr>
+          <p:cNvPr id="49" name="Rectangle 48">
+            <a:extLst>
+              <a:ext uri="{FF2B5EF4-FFF2-40B4-BE49-F238E27FC236}">
+                <a16:creationId xmlns:a16="http://schemas.microsoft.com/office/drawing/2014/main" id="{EC57FAEB-CD86-4A40-4EA2-01CD474FE0C3}"/>
+              </a:ext>
+            </a:extLst>
+          </p:cNvPr>
+          <p:cNvSpPr/>
+          <p:nvPr/>
+        </p:nvSpPr>
+        <p:spPr>
+          <a:xfrm>
+            <a:off x="10917683" y="6709322"/>
+            <a:ext cx="2743200" cy="534062"/>
+          </a:xfrm>
+          <a:prstGeom prst="rect">
+            <a:avLst/>
+          </a:prstGeom>
+          <a:noFill/>
+          <a:ln w="38100">
+            <a:noFill/>
+          </a:ln>
+        </p:spPr>
+        <p:style>
+          <a:lnRef idx="2">
+            <a:schemeClr val="accent1">
+              <a:shade val="50000"/>
+            </a:schemeClr>
+          </a:lnRef>
+          <a:fillRef idx="1">
+            <a:schemeClr val="accent1"/>
+          </a:fillRef>
+          <a:effectRef idx="0">
+            <a:schemeClr val="accent1"/>
+          </a:effectRef>
+          <a:fontRef idx="minor">
+            <a:schemeClr val="lt1"/>
+          </a:fontRef>
+        </p:style>
+        <p:txBody>
+          <a:bodyPr rtlCol="0" anchor="ctr"/>
+          <a:lstStyle/>
+          <a:p>
+            <a:pPr algn="ctr"/>
+            <a:r>
+              <a:rPr lang="en-US" sz="2400" dirty="0">
+                <a:solidFill>
+                  <a:schemeClr val="tx1"/>
+                </a:solidFill>
+              </a:rPr>
+              <a:t>rcp85cooler_ssp5</a:t>
+            </a:r>
+          </a:p>
+        </p:txBody>
+      </p:sp>
+      <p:sp>
+        <p:nvSpPr>
+          <p:cNvPr id="50" name="Rectangle 49">
+            <a:extLst>
+              <a:ext uri="{FF2B5EF4-FFF2-40B4-BE49-F238E27FC236}">
+                <a16:creationId xmlns:a16="http://schemas.microsoft.com/office/drawing/2014/main" id="{6AAFA6BD-4CD3-8BA4-12A9-2EA2146BF57C}"/>
+              </a:ext>
+            </a:extLst>
+          </p:cNvPr>
+          <p:cNvSpPr>
+            <a:spLocks/>
+          </p:cNvSpPr>
+          <p:nvPr/>
+        </p:nvSpPr>
+        <p:spPr>
+          <a:xfrm>
+            <a:off x="10917683" y="6011520"/>
+            <a:ext cx="2743200" cy="534062"/>
+          </a:xfrm>
+          <a:prstGeom prst="rect">
+            <a:avLst/>
+          </a:prstGeom>
+          <a:noFill/>
+          <a:ln w="38100">
+            <a:noFill/>
+          </a:ln>
+        </p:spPr>
+        <p:style>
+          <a:lnRef idx="2">
+            <a:schemeClr val="accent1">
+              <a:shade val="50000"/>
+            </a:schemeClr>
+          </a:lnRef>
+          <a:fillRef idx="1">
+            <a:schemeClr val="accent1"/>
+          </a:fillRef>
+          <a:effectRef idx="0">
+            <a:schemeClr val="accent1"/>
+          </a:effectRef>
+          <a:fontRef idx="minor">
+            <a:schemeClr val="lt1"/>
+          </a:fontRef>
+        </p:style>
+        <p:txBody>
+          <a:bodyPr rtlCol="0" anchor="ctr"/>
+          <a:lstStyle/>
+          <a:p>
+            <a:pPr algn="ctr"/>
+            <a:r>
+              <a:rPr lang="en-US" sz="2400" dirty="0">
+                <a:solidFill>
+                  <a:schemeClr val="tx1"/>
+                </a:solidFill>
+              </a:rPr>
+              <a:t>rcp85cooler_ssp3</a:t>
+            </a:r>
+          </a:p>
+        </p:txBody>
+      </p:sp>
+      <p:cxnSp>
+        <p:nvCxnSpPr>
+          <p:cNvPr id="51" name="Straight Connector 50">
+            <a:extLst>
+              <a:ext uri="{FF2B5EF4-FFF2-40B4-BE49-F238E27FC236}">
+                <a16:creationId xmlns:a16="http://schemas.microsoft.com/office/drawing/2014/main" id="{AC6FB32D-49E4-EF68-0796-208FF12C738D}"/>
+              </a:ext>
+            </a:extLst>
+          </p:cNvPr>
+          <p:cNvCxnSpPr>
+            <a:cxnSpLocks/>
+            <a:stCxn id="43" idx="3"/>
+            <a:endCxn id="50" idx="1"/>
+          </p:cNvCxnSpPr>
+          <p:nvPr/>
+        </p:nvCxnSpPr>
+        <p:spPr>
+          <a:xfrm>
+            <a:off x="10471115" y="6278551"/>
+            <a:ext cx="446568" cy="0"/>
+          </a:xfrm>
+          <a:prstGeom prst="line">
+            <a:avLst/>
+          </a:prstGeom>
+          <a:ln w="38100">
+            <a:solidFill>
+              <a:schemeClr val="tx1"/>
+            </a:solidFill>
+            <a:headEnd type="none"/>
+            <a:tailEnd type="arrow"/>
+          </a:ln>
+        </p:spPr>
+        <p:style>
+          <a:lnRef idx="1">
+            <a:schemeClr val="accent1"/>
+          </a:lnRef>
+          <a:fillRef idx="0">
+            <a:schemeClr val="accent1"/>
+          </a:fillRef>
+          <a:effectRef idx="0">
+            <a:schemeClr val="accent1"/>
+          </a:effectRef>
+          <a:fontRef idx="minor">
+            <a:schemeClr val="tx1"/>
+          </a:fontRef>
+        </p:style>
+      </p:cxnSp>
+      <p:cxnSp>
+        <p:nvCxnSpPr>
+          <p:cNvPr id="52" name="Straight Connector 51">
+            <a:extLst>
+              <a:ext uri="{FF2B5EF4-FFF2-40B4-BE49-F238E27FC236}">
+                <a16:creationId xmlns:a16="http://schemas.microsoft.com/office/drawing/2014/main" id="{87642B48-5344-2901-FD51-CD4093061B54}"/>
+              </a:ext>
+            </a:extLst>
+          </p:cNvPr>
+          <p:cNvCxnSpPr>
+            <a:cxnSpLocks/>
+            <a:stCxn id="42" idx="3"/>
+            <a:endCxn id="49" idx="1"/>
+          </p:cNvCxnSpPr>
+          <p:nvPr/>
+        </p:nvCxnSpPr>
+        <p:spPr>
+          <a:xfrm>
+            <a:off x="10471115" y="6976353"/>
+            <a:ext cx="446568" cy="0"/>
+          </a:xfrm>
+          <a:prstGeom prst="line">
+            <a:avLst/>
+          </a:prstGeom>
+          <a:ln w="38100">
+            <a:solidFill>
+              <a:schemeClr val="tx1"/>
+            </a:solidFill>
+            <a:tailEnd type="arrow"/>
+          </a:ln>
+        </p:spPr>
+        <p:style>
+          <a:lnRef idx="1">
+            <a:schemeClr val="accent1"/>
+          </a:lnRef>
+          <a:fillRef idx="0">
+            <a:schemeClr val="accent1"/>
+          </a:fillRef>
+          <a:effectRef idx="0">
+            <a:schemeClr val="accent1"/>
+          </a:effectRef>
+          <a:fontRef idx="minor">
+            <a:schemeClr val="tx1"/>
+          </a:fontRef>
+        </p:style>
+      </p:cxnSp>
+      <p:cxnSp>
+        <p:nvCxnSpPr>
+          <p:cNvPr id="53" name="Straight Connector 52">
+            <a:extLst>
+              <a:ext uri="{FF2B5EF4-FFF2-40B4-BE49-F238E27FC236}">
+                <a16:creationId xmlns:a16="http://schemas.microsoft.com/office/drawing/2014/main" id="{1BD0D442-4A9C-D117-AB82-94F698150EDA}"/>
+              </a:ext>
+            </a:extLst>
+          </p:cNvPr>
+          <p:cNvCxnSpPr>
+            <a:cxnSpLocks/>
+            <a:stCxn id="40" idx="3"/>
+            <a:endCxn id="47" idx="1"/>
+          </p:cNvCxnSpPr>
+          <p:nvPr/>
+        </p:nvCxnSpPr>
+        <p:spPr>
+          <a:xfrm>
+            <a:off x="10471115" y="7674465"/>
+            <a:ext cx="446568" cy="0"/>
+          </a:xfrm>
+          <a:prstGeom prst="line">
+            <a:avLst/>
+          </a:prstGeom>
+          <a:ln w="38100">
+            <a:solidFill>
+              <a:schemeClr val="tx1"/>
+            </a:solidFill>
+            <a:tailEnd type="arrow"/>
+          </a:ln>
+        </p:spPr>
+        <p:style>
+          <a:lnRef idx="1">
+            <a:schemeClr val="accent1"/>
+          </a:lnRef>
+          <a:fillRef idx="0">
+            <a:schemeClr val="accent1"/>
+          </a:fillRef>
+          <a:effectRef idx="0">
+            <a:schemeClr val="accent1"/>
+          </a:effectRef>
+          <a:fontRef idx="minor">
+            <a:schemeClr val="tx1"/>
+          </a:fontRef>
+        </p:style>
+      </p:cxnSp>
+      <p:cxnSp>
+        <p:nvCxnSpPr>
+          <p:cNvPr id="54" name="Straight Connector 53">
+            <a:extLst>
+              <a:ext uri="{FF2B5EF4-FFF2-40B4-BE49-F238E27FC236}">
+                <a16:creationId xmlns:a16="http://schemas.microsoft.com/office/drawing/2014/main" id="{E9549D38-22B4-4375-7CA7-F294A62700EF}"/>
+              </a:ext>
+            </a:extLst>
+          </p:cNvPr>
+          <p:cNvCxnSpPr>
+            <a:cxnSpLocks/>
+            <a:stCxn id="41" idx="3"/>
+            <a:endCxn id="48" idx="1"/>
+          </p:cNvCxnSpPr>
+          <p:nvPr/>
+        </p:nvCxnSpPr>
+        <p:spPr>
+          <a:xfrm>
+            <a:off x="10471115" y="8372577"/>
+            <a:ext cx="446568" cy="0"/>
+          </a:xfrm>
+          <a:prstGeom prst="line">
+            <a:avLst/>
+          </a:prstGeom>
+          <a:ln w="38100">
+            <a:solidFill>
+              <a:schemeClr val="tx1"/>
+            </a:solidFill>
+            <a:tailEnd type="arrow"/>
+          </a:ln>
+        </p:spPr>
+        <p:style>
+          <a:lnRef idx="1">
+            <a:schemeClr val="accent1"/>
+          </a:lnRef>
+          <a:fillRef idx="0">
+            <a:schemeClr val="accent1"/>
+          </a:fillRef>
+          <a:effectRef idx="0">
+            <a:schemeClr val="accent1"/>
+          </a:effectRef>
+          <a:fontRef idx="minor">
+            <a:schemeClr val="tx1"/>
+          </a:fontRef>
+        </p:style>
+      </p:cxnSp>
+    </p:spTree>
+    <p:extLst>
+      <p:ext uri="{BB962C8B-B14F-4D97-AF65-F5344CB8AC3E}">
+        <p14:creationId xmlns:p14="http://schemas.microsoft.com/office/powerpoint/2010/main" val="922109650"/>
+      </p:ext>
+    </p:extLst>
+  </p:cSld>
+  <p:clrMapOvr>
+    <a:masterClrMapping/>
+  </p:clrMapOvr>
+</p:sld>
+</file>
+
+<file path=ppt/slides/slide4.xml><?xml version="1.0" encoding="utf-8"?>
 <p:sld xmlns:a="http://schemas.openxmlformats.org/drawingml/2006/main" xmlns:r="http://schemas.openxmlformats.org/officeDocument/2006/relationships" xmlns:p="http://schemas.openxmlformats.org/presentationml/2006/main">
   <p:cSld>
     <p:spTree>
